--- a/02-CleanCode&Testing/CleanCode.pptx
+++ b/02-CleanCode&Testing/CleanCode.pptx
@@ -5,10 +5,10 @@
     <p:sldMasterId id="2147483648" r:id="rId1"/>
   </p:sldMasterIdLst>
   <p:notesMasterIdLst>
-    <p:notesMasterId r:id="rId61"/>
+    <p:notesMasterId r:id="rId69"/>
   </p:notesMasterIdLst>
   <p:handoutMasterIdLst>
-    <p:handoutMasterId r:id="rId62"/>
+    <p:handoutMasterId r:id="rId70"/>
   </p:handoutMasterIdLst>
   <p:sldIdLst>
     <p:sldId id="373" r:id="rId2"/>
@@ -67,9 +67,17 @@
     <p:sldId id="366" r:id="rId55"/>
     <p:sldId id="369" r:id="rId56"/>
     <p:sldId id="370" r:id="rId57"/>
-    <p:sldId id="371" r:id="rId58"/>
-    <p:sldId id="318" r:id="rId59"/>
-    <p:sldId id="319" r:id="rId60"/>
+    <p:sldId id="390" r:id="rId58"/>
+    <p:sldId id="383" r:id="rId59"/>
+    <p:sldId id="384" r:id="rId60"/>
+    <p:sldId id="385" r:id="rId61"/>
+    <p:sldId id="386" r:id="rId62"/>
+    <p:sldId id="387" r:id="rId63"/>
+    <p:sldId id="388" r:id="rId64"/>
+    <p:sldId id="389" r:id="rId65"/>
+    <p:sldId id="371" r:id="rId66"/>
+    <p:sldId id="318" r:id="rId67"/>
+    <p:sldId id="319" r:id="rId68"/>
   </p:sldIdLst>
   <p:sldSz cx="9144000" cy="6858000" type="screen4x3"/>
   <p:notesSz cx="6858000" cy="9144000"/>
@@ -238,11 +246,11 @@
           <c:showPercent val="0"/>
           <c:showBubbleSize val="0"/>
         </c:dLbls>
-        <c:axId val="34896064"/>
-        <c:axId val="34896640"/>
+        <c:axId val="75646080"/>
+        <c:axId val="75646656"/>
       </c:scatterChart>
       <c:valAx>
-        <c:axId val="34896064"/>
+        <c:axId val="75646080"/>
         <c:scaling>
           <c:orientation val="minMax"/>
         </c:scaling>
@@ -252,12 +260,12 @@
         <c:majorTickMark val="out"/>
         <c:minorTickMark val="none"/>
         <c:tickLblPos val="nextTo"/>
-        <c:crossAx val="34896640"/>
+        <c:crossAx val="75646656"/>
         <c:crosses val="autoZero"/>
         <c:crossBetween val="midCat"/>
       </c:valAx>
       <c:valAx>
-        <c:axId val="34896640"/>
+        <c:axId val="75646656"/>
         <c:scaling>
           <c:orientation val="minMax"/>
         </c:scaling>
@@ -267,7 +275,7 @@
         <c:majorTickMark val="out"/>
         <c:minorTickMark val="none"/>
         <c:tickLblPos val="nextTo"/>
-        <c:crossAx val="34896064"/>
+        <c:crossAx val="75646080"/>
         <c:crosses val="autoZero"/>
         <c:crossBetween val="midCat"/>
       </c:valAx>
@@ -2001,7 +2009,7 @@
           <a:p>
             <a:fld id="{414C0F9C-8EEB-4FCC-AFE2-CBC89CE9F378}" type="slidenum">
               <a:rPr lang="ru-RU" smtClean="0"/>
-              <a:t>58</a:t>
+              <a:t>66</a:t>
             </a:fld>
             <a:endParaRPr lang="ru-RU"/>
           </a:p>
@@ -6036,46 +6044,46 @@
               <a:buNone/>
             </a:pPr>
             <a:r>
-              <a:rPr lang="en-US" sz="2400" b="1" dirty="0" err="1" smtClean="0">
+              <a:rPr lang="en-US" sz="2400" b="1" dirty="0">
                 <a:latin typeface="Consolas" panose="020B0609020204030204" pitchFamily="49" charset="0"/>
                 <a:cs typeface="Consolas" panose="020B0609020204030204" pitchFamily="49" charset="0"/>
               </a:rPr>
-              <a:t>var</a:t>
-            </a:r>
-            <a:r>
-              <a:rPr lang="en-US" sz="2400" b="1" dirty="0" smtClean="0">
-                <a:latin typeface="Consolas" panose="020B0609020204030204" pitchFamily="49" charset="0"/>
-                <a:cs typeface="Consolas" panose="020B0609020204030204" pitchFamily="49" charset="0"/>
-              </a:rPr>
-              <a:t> </a:t>
+              <a:t>void</a:t>
             </a:r>
             <a:r>
               <a:rPr lang="en-US" sz="2400" dirty="0">
                 <a:latin typeface="Consolas" panose="020B0609020204030204" pitchFamily="49" charset="0"/>
                 <a:cs typeface="Consolas" panose="020B0609020204030204" pitchFamily="49" charset="0"/>
               </a:rPr>
-              <a:t>answer = </a:t>
-            </a:r>
-            <a:r>
-              <a:rPr lang="en-US" sz="2400" b="1" dirty="0">
+              <a:t> </a:t>
+            </a:r>
+            <a:r>
+              <a:rPr lang="en-US" sz="2400" dirty="0" err="1">
                 <a:latin typeface="Consolas" panose="020B0609020204030204" pitchFamily="49" charset="0"/>
                 <a:cs typeface="Consolas" panose="020B0609020204030204" pitchFamily="49" charset="0"/>
               </a:rPr>
-              <a:t>new </a:t>
+              <a:t>fillWhereIsWord</a:t>
             </a:r>
             <a:r>
               <a:rPr lang="en-US" sz="2400" dirty="0">
                 <a:latin typeface="Consolas" panose="020B0609020204030204" pitchFamily="49" charset="0"/>
                 <a:cs typeface="Consolas" panose="020B0609020204030204" pitchFamily="49" charset="0"/>
               </a:rPr>
-              <a:t>Program().Solution</a:t>
-            </a:r>
-            <a:r>
-              <a:rPr lang="en-US" sz="2400" dirty="0" smtClean="0">
+              <a:t>(</a:t>
+            </a:r>
+            <a:r>
+              <a:rPr lang="en-US" sz="2400" dirty="0" err="1">
                 <a:latin typeface="Consolas" panose="020B0609020204030204" pitchFamily="49" charset="0"/>
                 <a:cs typeface="Consolas" panose="020B0609020204030204" pitchFamily="49" charset="0"/>
               </a:rPr>
-              <a:t>(…);</a:t>
+              <a:t>IEnumerable</a:t>
+            </a:r>
+            <a:r>
+              <a:rPr lang="en-US" sz="2400" dirty="0">
+                <a:latin typeface="Consolas" panose="020B0609020204030204" pitchFamily="49" charset="0"/>
+                <a:cs typeface="Consolas" panose="020B0609020204030204" pitchFamily="49" charset="0"/>
+              </a:rPr>
+              <a:t>&lt;String&gt; text)</a:t>
             </a:r>
           </a:p>
           <a:p>
@@ -6089,53 +6097,46 @@
               <a:buNone/>
             </a:pPr>
             <a:r>
+              <a:rPr lang="en-US" sz="2400" b="1" dirty="0" err="1" smtClean="0">
+                <a:latin typeface="Consolas" panose="020B0609020204030204" pitchFamily="49" charset="0"/>
+                <a:cs typeface="Consolas" panose="020B0609020204030204" pitchFamily="49" charset="0"/>
+              </a:rPr>
+              <a:t>var</a:t>
+            </a:r>
+            <a:r>
               <a:rPr lang="en-US" sz="2400" b="1" dirty="0" smtClean="0">
                 <a:latin typeface="Consolas" panose="020B0609020204030204" pitchFamily="49" charset="0"/>
                 <a:cs typeface="Consolas" panose="020B0609020204030204" pitchFamily="49" charset="0"/>
               </a:rPr>
-              <a:t>void</a:t>
+              <a:t> </a:t>
+            </a:r>
+            <a:r>
+              <a:rPr lang="en-US" sz="2400" dirty="0">
+                <a:latin typeface="Consolas" panose="020B0609020204030204" pitchFamily="49" charset="0"/>
+                <a:cs typeface="Consolas" panose="020B0609020204030204" pitchFamily="49" charset="0"/>
+              </a:rPr>
+              <a:t>answer = </a:t>
+            </a:r>
+            <a:r>
+              <a:rPr lang="en-US" sz="2400" b="1" dirty="0">
+                <a:latin typeface="Consolas" panose="020B0609020204030204" pitchFamily="49" charset="0"/>
+                <a:cs typeface="Consolas" panose="020B0609020204030204" pitchFamily="49" charset="0"/>
+              </a:rPr>
+              <a:t>new </a:t>
+            </a:r>
+            <a:r>
+              <a:rPr lang="en-US" sz="2400" dirty="0">
+                <a:latin typeface="Consolas" panose="020B0609020204030204" pitchFamily="49" charset="0"/>
+                <a:cs typeface="Consolas" panose="020B0609020204030204" pitchFamily="49" charset="0"/>
+              </a:rPr>
+              <a:t>Program().Solution</a:t>
             </a:r>
             <a:r>
               <a:rPr lang="en-US" sz="2400" dirty="0" smtClean="0">
                 <a:latin typeface="Consolas" panose="020B0609020204030204" pitchFamily="49" charset="0"/>
                 <a:cs typeface="Consolas" panose="020B0609020204030204" pitchFamily="49" charset="0"/>
               </a:rPr>
-              <a:t> </a:t>
-            </a:r>
-            <a:r>
-              <a:rPr lang="en-US" sz="2400" dirty="0" err="1">
-                <a:latin typeface="Consolas" panose="020B0609020204030204" pitchFamily="49" charset="0"/>
-                <a:cs typeface="Consolas" panose="020B0609020204030204" pitchFamily="49" charset="0"/>
-              </a:rPr>
-              <a:t>fillWhereIsWord</a:t>
-            </a:r>
-            <a:r>
-              <a:rPr lang="en-US" sz="2400" dirty="0">
-                <a:latin typeface="Consolas" panose="020B0609020204030204" pitchFamily="49" charset="0"/>
-                <a:cs typeface="Consolas" panose="020B0609020204030204" pitchFamily="49" charset="0"/>
-              </a:rPr>
-              <a:t>(</a:t>
-            </a:r>
-            <a:r>
-              <a:rPr lang="en-US" sz="2400" dirty="0" err="1">
-                <a:latin typeface="Consolas" panose="020B0609020204030204" pitchFamily="49" charset="0"/>
-                <a:cs typeface="Consolas" panose="020B0609020204030204" pitchFamily="49" charset="0"/>
-              </a:rPr>
-              <a:t>IEnumerable</a:t>
-            </a:r>
-            <a:r>
-              <a:rPr lang="en-US" sz="2400" dirty="0">
-                <a:latin typeface="Consolas" panose="020B0609020204030204" pitchFamily="49" charset="0"/>
-                <a:cs typeface="Consolas" panose="020B0609020204030204" pitchFamily="49" charset="0"/>
-              </a:rPr>
-              <a:t>&lt;String&gt; </a:t>
-            </a:r>
-            <a:r>
-              <a:rPr lang="en-US" sz="2400" dirty="0" smtClean="0">
-                <a:latin typeface="Consolas" panose="020B0609020204030204" pitchFamily="49" charset="0"/>
-                <a:cs typeface="Consolas" panose="020B0609020204030204" pitchFamily="49" charset="0"/>
-              </a:rPr>
-              <a:t>text)</a:t>
+              <a:t>(…);</a:t>
             </a:r>
           </a:p>
           <a:p>
@@ -8902,8 +8903,32 @@
               <a:t>Контур.Кампус</a:t>
             </a:r>
             <a:r>
-              <a:rPr lang="ru-RU" sz="2400" smtClean="0"/>
-              <a:t>, ноябрь 2013</a:t>
+              <a:rPr lang="ru-RU" sz="2400" dirty="0" smtClean="0"/>
+              <a:t>, ноябрь </a:t>
+            </a:r>
+            <a:r>
+              <a:rPr lang="ru-RU" sz="2400" dirty="0" smtClean="0"/>
+              <a:t>2013</a:t>
+            </a:r>
+            <a:endParaRPr lang="en-US" sz="2400" dirty="0" smtClean="0"/>
+          </a:p>
+          <a:p>
+            <a:pPr algn="r"/>
+            <a:r>
+              <a:rPr lang="ru-RU" sz="2400" dirty="0" smtClean="0"/>
+              <a:t>Павел Егоров</a:t>
+            </a:r>
+            <a:r>
+              <a:rPr lang="en-US" sz="2400" dirty="0"/>
+              <a:t>,</a:t>
+            </a:r>
+            <a:r>
+              <a:rPr lang="ru-RU" sz="2400" dirty="0" smtClean="0"/>
+              <a:t> </a:t>
+            </a:r>
+            <a:r>
+              <a:rPr lang="en-US" sz="2400" dirty="0" smtClean="0"/>
+              <a:t>@xoposhiy</a:t>
             </a:r>
             <a:endParaRPr lang="ru-RU" sz="2400" dirty="0" smtClean="0"/>
           </a:p>
@@ -13612,15 +13637,7 @@
                   <a:srgbClr val="C00000"/>
                 </a:solidFill>
               </a:rPr>
-              <a:t>Вызов </a:t>
-            </a:r>
-            <a:r>
-              <a:rPr lang="ru-RU" b="1" dirty="0" smtClean="0">
-                <a:solidFill>
-                  <a:srgbClr val="C00000"/>
-                </a:solidFill>
-              </a:rPr>
-              <a:t>невиртуального метода</a:t>
+              <a:t>Вызов невиртуального метода</a:t>
             </a:r>
           </a:p>
           <a:p>
@@ -15749,11 +15766,11 @@
   <p:clrMapOvr>
     <a:masterClrMapping/>
   </p:clrMapOvr>
-  <mc:AlternateContent xmlns:mc="http://schemas.openxmlformats.org/markup-compatibility/2006">
-    <mc:Choice xmlns:p14="http://schemas.microsoft.com/office/powerpoint/2010/main" Requires="p14">
+  <mc:AlternateContent xmlns:mc="http://schemas.openxmlformats.org/markup-compatibility/2006" xmlns:p14="http://schemas.microsoft.com/office/powerpoint/2010/main">
+    <mc:Choice Requires="p14">
       <p:transition spd="slow" p14:dur="2000"/>
     </mc:Choice>
-    <mc:Fallback>
+    <mc:Fallback xmlns="">
       <p:transition spd="slow"/>
     </mc:Fallback>
   </mc:AlternateContent>
@@ -18306,11 +18323,11 @@
   <p:clrMapOvr>
     <a:masterClrMapping/>
   </p:clrMapOvr>
-  <mc:AlternateContent xmlns:mc="http://schemas.openxmlformats.org/markup-compatibility/2006">
-    <mc:Choice xmlns:p14="http://schemas.microsoft.com/office/powerpoint/2010/main" Requires="p14">
+  <mc:AlternateContent xmlns:mc="http://schemas.openxmlformats.org/markup-compatibility/2006" xmlns:p14="http://schemas.microsoft.com/office/powerpoint/2010/main">
+    <mc:Choice Requires="p14">
       <p:transition spd="slow" p14:dur="2000"/>
     </mc:Choice>
-    <mc:Fallback>
+    <mc:Fallback xmlns="">
       <p:transition spd="slow"/>
     </mc:Fallback>
   </mc:AlternateContent>
@@ -19372,75 +19389,7 @@
   <p:timing>
     <p:tnLst>
       <p:par>
-        <p:cTn id="1" dur="indefinite" restart="never" nodeType="tmRoot">
-          <p:childTnLst>
-            <p:seq concurrent="1" nextAc="seek">
-              <p:cTn id="2" dur="indefinite" nodeType="mainSeq">
-                <p:childTnLst>
-                  <p:par>
-                    <p:cTn id="3" fill="hold">
-                      <p:stCondLst>
-                        <p:cond delay="indefinite"/>
-                      </p:stCondLst>
-                      <p:childTnLst>
-                        <p:par>
-                          <p:cTn id="4" fill="hold">
-                            <p:stCondLst>
-                              <p:cond delay="0"/>
-                            </p:stCondLst>
-                            <p:childTnLst>
-                              <p:par>
-                                <p:cTn id="5" presetID="1" presetClass="entr" presetSubtype="0" fill="hold" nodeType="clickEffect">
-                                  <p:stCondLst>
-                                    <p:cond delay="0"/>
-                                  </p:stCondLst>
-                                  <p:childTnLst>
-                                    <p:set>
-                                      <p:cBhvr>
-                                        <p:cTn id="6" dur="1" fill="hold">
-                                          <p:stCondLst>
-                                            <p:cond delay="0"/>
-                                          </p:stCondLst>
-                                        </p:cTn>
-                                        <p:tgtEl>
-                                          <p:spTgt spid="2050"/>
-                                        </p:tgtEl>
-                                        <p:attrNameLst>
-                                          <p:attrName>style.visibility</p:attrName>
-                                        </p:attrNameLst>
-                                      </p:cBhvr>
-                                      <p:to>
-                                        <p:strVal val="visible"/>
-                                      </p:to>
-                                    </p:set>
-                                  </p:childTnLst>
-                                </p:cTn>
-                              </p:par>
-                            </p:childTnLst>
-                          </p:cTn>
-                        </p:par>
-                      </p:childTnLst>
-                    </p:cTn>
-                  </p:par>
-                </p:childTnLst>
-              </p:cTn>
-              <p:prevCondLst>
-                <p:cond evt="onPrev" delay="0">
-                  <p:tgtEl>
-                    <p:sldTgt/>
-                  </p:tgtEl>
-                </p:cond>
-              </p:prevCondLst>
-              <p:nextCondLst>
-                <p:cond evt="onNext" delay="0">
-                  <p:tgtEl>
-                    <p:sldTgt/>
-                  </p:tgtEl>
-                </p:cond>
-              </p:nextCondLst>
-            </p:seq>
-          </p:childTnLst>
-        </p:cTn>
+        <p:cTn id="1" dur="indefinite" restart="never" nodeType="tmRoot"/>
       </p:par>
     </p:tnLst>
   </p:timing>
@@ -20429,7 +20378,7 @@
       </p:cxnSp>
       <p:sp>
         <p:nvSpPr>
-          <p:cNvPr id="10" name="Заголовок 1"/>
+          <p:cNvPr id="14" name="Заголовок 1"/>
           <p:cNvSpPr txBox="1">
             <a:spLocks/>
           </p:cNvSpPr>
@@ -20437,8 +20386,8 @@
         </p:nvSpPr>
         <p:spPr>
           <a:xfrm>
-            <a:off x="6367028" y="1484784"/>
-            <a:ext cx="2458616" cy="351656"/>
+            <a:off x="5580112" y="1628800"/>
+            <a:ext cx="2962672" cy="999728"/>
           </a:xfrm>
           <a:prstGeom prst="rect">
             <a:avLst/>
@@ -20469,55 +20418,19 @@
           <a:p>
             <a:r>
               <a:rPr lang="ru-RU" sz="3200" dirty="0" smtClean="0"/>
-              <a:t>Жесткость!</a:t>
-            </a:r>
-            <a:endParaRPr lang="ru-RU" sz="3200" dirty="0"/>
-          </a:p>
-        </p:txBody>
-      </p:sp>
-      <p:sp>
-        <p:nvSpPr>
-          <p:cNvPr id="14" name="Заголовок 1"/>
-          <p:cNvSpPr txBox="1">
-            <a:spLocks/>
-          </p:cNvSpPr>
-          <p:nvPr/>
-        </p:nvSpPr>
-        <p:spPr>
-          <a:xfrm>
-            <a:off x="6380584" y="2213248"/>
-            <a:ext cx="2162200" cy="351656"/>
-          </a:xfrm>
-          <a:prstGeom prst="rect">
-            <a:avLst/>
-          </a:prstGeom>
-        </p:spPr>
-        <p:txBody>
-          <a:bodyPr vert="horz" lIns="91440" tIns="45720" rIns="91440" bIns="45720" rtlCol="0" anchor="ctr">
-            <a:noAutofit/>
-          </a:bodyPr>
-          <a:lstStyle>
-            <a:lvl1pPr algn="ctr" defTabSz="914400" rtl="0" eaLnBrk="1" latinLnBrk="0" hangingPunct="1">
-              <a:spcBef>
-                <a:spcPct val="0"/>
-              </a:spcBef>
-              <a:buNone/>
-              <a:defRPr sz="4400" b="1" kern="1200">
-                <a:solidFill>
-                  <a:schemeClr val="accent6">
-                    <a:lumMod val="50000"/>
-                  </a:schemeClr>
-                </a:solidFill>
-                <a:latin typeface="Candara" pitchFamily="34" charset="0"/>
-                <a:ea typeface="+mj-ea"/>
-                <a:cs typeface="+mj-cs"/>
-              </a:defRPr>
-            </a:lvl1pPr>
-          </a:lstStyle>
-          <a:p>
+              <a:t>Неявные </a:t>
+            </a:r>
             <a:r>
               <a:rPr lang="ru-RU" sz="3200" dirty="0" smtClean="0"/>
-              <a:t>Неявные связи</a:t>
+              <a:t>связи</a:t>
+            </a:r>
+            <a:r>
+              <a:rPr lang="en-US" sz="3200" dirty="0" smtClean="0"/>
+              <a:t> — </a:t>
+            </a:r>
+            <a:r>
+              <a:rPr lang="ru-RU" sz="3200" dirty="0" smtClean="0"/>
+              <a:t>жесткость!</a:t>
             </a:r>
             <a:endParaRPr lang="ru-RU" sz="3200" dirty="0"/>
           </a:p>
@@ -20640,51 +20553,6 @@
                       </p:childTnLst>
                     </p:cTn>
                   </p:par>
-                  <p:par>
-                    <p:cTn id="11" fill="hold">
-                      <p:stCondLst>
-                        <p:cond delay="indefinite"/>
-                      </p:stCondLst>
-                      <p:childTnLst>
-                        <p:par>
-                          <p:cTn id="12" fill="hold">
-                            <p:stCondLst>
-                              <p:cond delay="0"/>
-                            </p:stCondLst>
-                            <p:childTnLst>
-                              <p:par>
-                                <p:cTn id="13" presetID="1" presetClass="entr" presetSubtype="0" fill="hold" grpId="0" nodeType="clickEffect">
-                                  <p:stCondLst>
-                                    <p:cond delay="0"/>
-                                  </p:stCondLst>
-                                  <p:childTnLst>
-                                    <p:set>
-                                      <p:cBhvr>
-                                        <p:cTn id="14" dur="1" fill="hold">
-                                          <p:stCondLst>
-                                            <p:cond delay="0"/>
-                                          </p:stCondLst>
-                                        </p:cTn>
-                                        <p:tgtEl>
-                                          <p:spTgt spid="10"/>
-                                        </p:tgtEl>
-                                        <p:attrNameLst>
-                                          <p:attrName>style.visibility</p:attrName>
-                                        </p:attrNameLst>
-                                      </p:cBhvr>
-                                      <p:to>
-                                        <p:strVal val="visible"/>
-                                      </p:to>
-                                    </p:set>
-                                  </p:childTnLst>
-                                </p:cTn>
-                              </p:par>
-                            </p:childTnLst>
-                          </p:cTn>
-                        </p:par>
-                      </p:childTnLst>
-                    </p:cTn>
-                  </p:par>
                 </p:childTnLst>
               </p:cTn>
               <p:prevCondLst>
@@ -20707,7 +20575,6 @@
       </p:par>
     </p:tnLst>
     <p:bldLst>
-      <p:bldP spid="10" grpId="0"/>
       <p:bldP spid="14" grpId="0"/>
     </p:bldLst>
   </p:timing>
@@ -21204,8 +21071,8 @@
         </p:nvSpPr>
         <p:spPr>
           <a:xfrm>
-            <a:off x="6348040" y="1412776"/>
-            <a:ext cx="2472432" cy="495672"/>
+            <a:off x="5763592" y="1124744"/>
+            <a:ext cx="3056880" cy="783704"/>
           </a:xfrm>
           <a:prstGeom prst="rect">
             <a:avLst/>
@@ -21235,10 +21102,10 @@
           </a:lstStyle>
           <a:p>
             <a:r>
-              <a:rPr lang="ru-RU" sz="2000" dirty="0" smtClean="0"/>
+              <a:rPr lang="ru-RU" sz="2800" dirty="0" smtClean="0"/>
               <a:t>Нужные значения передадут извне</a:t>
             </a:r>
-            <a:endParaRPr lang="ru-RU" sz="2000" dirty="0"/>
+            <a:endParaRPr lang="ru-RU" sz="2800" dirty="0"/>
           </a:p>
         </p:txBody>
       </p:sp>
@@ -27004,6 +26871,1545 @@
           <a:lstStyle/>
           <a:p>
             <a:r>
+              <a:rPr lang="ru-RU" dirty="0" err="1" smtClean="0"/>
+              <a:t>Функциональщина</a:t>
+            </a:r>
+            <a:endParaRPr lang="ru-RU" dirty="0"/>
+          </a:p>
+        </p:txBody>
+      </p:sp>
+      <p:sp>
+        <p:nvSpPr>
+          <p:cNvPr id="5" name="Текст 4"/>
+          <p:cNvSpPr>
+            <a:spLocks noGrp="1"/>
+          </p:cNvSpPr>
+          <p:nvPr>
+            <p:ph type="body" idx="1"/>
+          </p:nvPr>
+        </p:nvSpPr>
+        <p:spPr/>
+        <p:txBody>
+          <a:bodyPr>
+            <a:normAutofit/>
+          </a:bodyPr>
+          <a:lstStyle/>
+          <a:p>
+            <a:r>
+              <a:rPr lang="ru-RU" sz="2400" dirty="0" smtClean="0"/>
+              <a:t>Кошерный код</a:t>
+            </a:r>
+            <a:endParaRPr lang="ru-RU" sz="2400" dirty="0"/>
+          </a:p>
+        </p:txBody>
+      </p:sp>
+    </p:spTree>
+    <p:extLst>
+      <p:ext uri="{BB962C8B-B14F-4D97-AF65-F5344CB8AC3E}">
+        <p14:creationId xmlns:p14="http://schemas.microsoft.com/office/powerpoint/2010/main" val="1007564541"/>
+      </p:ext>
+    </p:extLst>
+  </p:cSld>
+  <p:clrMapOvr>
+    <a:masterClrMapping/>
+  </p:clrMapOvr>
+  <p:timing>
+    <p:tnLst>
+      <p:par>
+        <p:cTn id="1" dur="indefinite" restart="never" nodeType="tmRoot"/>
+      </p:par>
+    </p:tnLst>
+  </p:timing>
+</p:sld>
+</file>
+
+<file path=ppt/slides/slide58.xml><?xml version="1.0" encoding="utf-8"?>
+<p:sld xmlns:a="http://schemas.openxmlformats.org/drawingml/2006/main" xmlns:r="http://schemas.openxmlformats.org/officeDocument/2006/relationships" xmlns:p="http://schemas.openxmlformats.org/presentationml/2006/main">
+  <p:cSld>
+    <p:spTree>
+      <p:nvGrpSpPr>
+        <p:cNvPr id="1" name=""/>
+        <p:cNvGrpSpPr/>
+        <p:nvPr/>
+      </p:nvGrpSpPr>
+      <p:grpSpPr>
+        <a:xfrm>
+          <a:off x="0" y="0"/>
+          <a:ext cx="0" cy="0"/>
+          <a:chOff x="0" y="0"/>
+          <a:chExt cx="0" cy="0"/>
+        </a:xfrm>
+      </p:grpSpPr>
+      <p:sp>
+        <p:nvSpPr>
+          <p:cNvPr id="2" name="Заголовок 1"/>
+          <p:cNvSpPr>
+            <a:spLocks noGrp="1"/>
+          </p:cNvSpPr>
+          <p:nvPr>
+            <p:ph type="title"/>
+          </p:nvPr>
+        </p:nvSpPr>
+        <p:spPr/>
+        <p:txBody>
+          <a:bodyPr/>
+          <a:lstStyle/>
+          <a:p>
+            <a:r>
+              <a:rPr lang="ru-RU" dirty="0" err="1" smtClean="0"/>
+              <a:t>Функциональщина</a:t>
+            </a:r>
+            <a:endParaRPr lang="ru-RU" dirty="0"/>
+          </a:p>
+        </p:txBody>
+      </p:sp>
+      <p:sp>
+        <p:nvSpPr>
+          <p:cNvPr id="3" name="Объект 2"/>
+          <p:cNvSpPr>
+            <a:spLocks noGrp="1"/>
+          </p:cNvSpPr>
+          <p:nvPr>
+            <p:ph idx="1"/>
+          </p:nvPr>
+        </p:nvSpPr>
+        <p:spPr/>
+        <p:txBody>
+          <a:bodyPr/>
+          <a:lstStyle/>
+          <a:p>
+            <a:pPr marL="514350" indent="-514350">
+              <a:buAutoNum type="arabicPeriod"/>
+            </a:pPr>
+            <a:r>
+              <a:rPr lang="ru-RU" dirty="0" smtClean="0"/>
+              <a:t>Основной строительный блок — функция</a:t>
+            </a:r>
+          </a:p>
+          <a:p>
+            <a:pPr marL="400050" lvl="1" indent="0">
+              <a:buNone/>
+            </a:pPr>
+            <a:r>
+              <a:rPr lang="ru-RU" dirty="0" smtClean="0"/>
+              <a:t>…без побочных эффектов (</a:t>
+            </a:r>
+            <a:r>
+              <a:rPr lang="en-US" dirty="0" smtClean="0"/>
+              <a:t>pure function)</a:t>
+            </a:r>
+            <a:endParaRPr lang="ru-RU" dirty="0"/>
+          </a:p>
+          <a:p>
+            <a:pPr marL="514350" indent="-514350">
+              <a:buAutoNum type="arabicPeriod"/>
+            </a:pPr>
+            <a:r>
+              <a:rPr lang="ru-RU" dirty="0" smtClean="0"/>
+              <a:t>Данные — неизменяемые</a:t>
+            </a:r>
+          </a:p>
+          <a:p>
+            <a:pPr marL="0" indent="0">
+              <a:buNone/>
+            </a:pPr>
+            <a:r>
+              <a:rPr lang="ru-RU" dirty="0" smtClean="0"/>
+              <a:t>…</a:t>
+            </a:r>
+          </a:p>
+          <a:p>
+            <a:pPr marL="0" indent="0">
+              <a:buNone/>
+            </a:pPr>
+            <a:r>
+              <a:rPr lang="en-US" dirty="0" smtClean="0"/>
+              <a:t>(</a:t>
+            </a:r>
+            <a:r>
+              <a:rPr lang="ru-RU" dirty="0" smtClean="0"/>
+              <a:t>очень длинный список остальных идей)</a:t>
+            </a:r>
+          </a:p>
+          <a:p>
+            <a:pPr marL="0" indent="0">
+              <a:buNone/>
+            </a:pPr>
+            <a:r>
+              <a:rPr lang="en-US" dirty="0">
+                <a:hlinkClick r:id="rId2"/>
+              </a:rPr>
+              <a:t>http://fprog.ru/2009/issue3/eugene-kirpichov-elements-of-functional-languages/</a:t>
+            </a:r>
+            <a:endParaRPr lang="ru-RU" dirty="0" smtClean="0"/>
+          </a:p>
+        </p:txBody>
+      </p:sp>
+    </p:spTree>
+    <p:extLst>
+      <p:ext uri="{BB962C8B-B14F-4D97-AF65-F5344CB8AC3E}">
+        <p14:creationId xmlns:p14="http://schemas.microsoft.com/office/powerpoint/2010/main" val="2569548168"/>
+      </p:ext>
+    </p:extLst>
+  </p:cSld>
+  <p:clrMapOvr>
+    <a:masterClrMapping/>
+  </p:clrMapOvr>
+  <p:timing>
+    <p:tnLst>
+      <p:par>
+        <p:cTn id="1" dur="indefinite" restart="never" nodeType="tmRoot"/>
+      </p:par>
+    </p:tnLst>
+  </p:timing>
+</p:sld>
+</file>
+
+<file path=ppt/slides/slide59.xml><?xml version="1.0" encoding="utf-8"?>
+<p:sld xmlns:a="http://schemas.openxmlformats.org/drawingml/2006/main" xmlns:r="http://schemas.openxmlformats.org/officeDocument/2006/relationships" xmlns:p="http://schemas.openxmlformats.org/presentationml/2006/main">
+  <p:cSld>
+    <p:spTree>
+      <p:nvGrpSpPr>
+        <p:cNvPr id="1" name=""/>
+        <p:cNvGrpSpPr/>
+        <p:nvPr/>
+      </p:nvGrpSpPr>
+      <p:grpSpPr>
+        <a:xfrm>
+          <a:off x="0" y="0"/>
+          <a:ext cx="0" cy="0"/>
+          <a:chOff x="0" y="0"/>
+          <a:chExt cx="0" cy="0"/>
+        </a:xfrm>
+      </p:grpSpPr>
+      <p:sp>
+        <p:nvSpPr>
+          <p:cNvPr id="2" name="Заголовок 1"/>
+          <p:cNvSpPr>
+            <a:spLocks noGrp="1"/>
+          </p:cNvSpPr>
+          <p:nvPr>
+            <p:ph type="title"/>
+          </p:nvPr>
+        </p:nvSpPr>
+        <p:spPr/>
+        <p:txBody>
+          <a:bodyPr/>
+          <a:lstStyle/>
+          <a:p>
+            <a:r>
+              <a:rPr lang="en-US" dirty="0" smtClean="0"/>
+              <a:t>Pure functions</a:t>
+            </a:r>
+            <a:r>
+              <a:rPr lang="ru-RU" dirty="0" smtClean="0"/>
+              <a:t>?! </a:t>
+            </a:r>
+            <a:r>
+              <a:rPr lang="en-US" dirty="0" err="1" smtClean="0"/>
+              <a:t>O_o</a:t>
+            </a:r>
+            <a:endParaRPr lang="ru-RU" dirty="0"/>
+          </a:p>
+        </p:txBody>
+      </p:sp>
+      <p:sp>
+        <p:nvSpPr>
+          <p:cNvPr id="3" name="Объект 2"/>
+          <p:cNvSpPr>
+            <a:spLocks noGrp="1"/>
+          </p:cNvSpPr>
+          <p:nvPr>
+            <p:ph idx="1"/>
+          </p:nvPr>
+        </p:nvSpPr>
+        <p:spPr/>
+        <p:txBody>
+          <a:bodyPr/>
+          <a:lstStyle/>
+          <a:p>
+            <a:pPr marL="0" indent="0">
+              <a:buNone/>
+            </a:pPr>
+            <a:r>
+              <a:rPr lang="ru-RU" dirty="0" smtClean="0"/>
+              <a:t>Прочитать из файла числа</a:t>
+            </a:r>
+          </a:p>
+          <a:p>
+            <a:pPr marL="0" indent="0">
+              <a:buNone/>
+            </a:pPr>
+            <a:r>
+              <a:rPr lang="ru-RU" dirty="0" smtClean="0"/>
+              <a:t>Записать в другой файл числа прописью</a:t>
+            </a:r>
+          </a:p>
+          <a:p>
+            <a:pPr marL="0" indent="0">
+              <a:buNone/>
+            </a:pPr>
+            <a:r>
+              <a:rPr lang="ru-RU" dirty="0" smtClean="0"/>
+              <a:t>После обработки каждого 100000-ое числа</a:t>
+            </a:r>
+            <a:r>
+              <a:rPr lang="ru-RU" dirty="0"/>
+              <a:t/>
+            </a:r>
+            <a:br>
+              <a:rPr lang="ru-RU" dirty="0"/>
+            </a:br>
+            <a:r>
+              <a:rPr lang="ru-RU" dirty="0"/>
+              <a:t>	</a:t>
+            </a:r>
+            <a:r>
+              <a:rPr lang="ru-RU" dirty="0" smtClean="0"/>
+              <a:t>выводить об этом запись на консоль</a:t>
+            </a:r>
+          </a:p>
+        </p:txBody>
+      </p:sp>
+    </p:spTree>
+    <p:extLst>
+      <p:ext uri="{BB962C8B-B14F-4D97-AF65-F5344CB8AC3E}">
+        <p14:creationId xmlns:p14="http://schemas.microsoft.com/office/powerpoint/2010/main" val="2963950267"/>
+      </p:ext>
+    </p:extLst>
+  </p:cSld>
+  <p:clrMapOvr>
+    <a:masterClrMapping/>
+  </p:clrMapOvr>
+  <p:timing>
+    <p:tnLst>
+      <p:par>
+        <p:cTn id="1" dur="indefinite" restart="never" nodeType="tmRoot"/>
+      </p:par>
+    </p:tnLst>
+  </p:timing>
+</p:sld>
+</file>
+
+<file path=ppt/slides/slide6.xml><?xml version="1.0" encoding="utf-8"?>
+<p:sld xmlns:a="http://schemas.openxmlformats.org/drawingml/2006/main" xmlns:r="http://schemas.openxmlformats.org/officeDocument/2006/relationships" xmlns:p="http://schemas.openxmlformats.org/presentationml/2006/main">
+  <p:cSld>
+    <p:spTree>
+      <p:nvGrpSpPr>
+        <p:cNvPr id="1" name=""/>
+        <p:cNvGrpSpPr/>
+        <p:nvPr/>
+      </p:nvGrpSpPr>
+      <p:grpSpPr>
+        <a:xfrm>
+          <a:off x="0" y="0"/>
+          <a:ext cx="0" cy="0"/>
+          <a:chOff x="0" y="0"/>
+          <a:chExt cx="0" cy="0"/>
+        </a:xfrm>
+      </p:grpSpPr>
+      <p:sp>
+        <p:nvSpPr>
+          <p:cNvPr id="2" name="Заголовок 1"/>
+          <p:cNvSpPr>
+            <a:spLocks noGrp="1"/>
+          </p:cNvSpPr>
+          <p:nvPr>
+            <p:ph type="title"/>
+          </p:nvPr>
+        </p:nvSpPr>
+        <p:spPr/>
+        <p:txBody>
+          <a:bodyPr>
+            <a:noAutofit/>
+          </a:bodyPr>
+          <a:lstStyle/>
+          <a:p>
+            <a:r>
+              <a:rPr lang="ru-RU" dirty="0"/>
+              <a:t>Имена и </a:t>
+            </a:r>
+            <a:r>
+              <a:rPr lang="ru-RU" dirty="0" smtClean="0"/>
+              <a:t>сигнатуры методов</a:t>
+            </a:r>
+            <a:endParaRPr lang="ru-RU" dirty="0"/>
+          </a:p>
+        </p:txBody>
+      </p:sp>
+      <p:sp>
+        <p:nvSpPr>
+          <p:cNvPr id="3" name="Текст 2"/>
+          <p:cNvSpPr>
+            <a:spLocks noGrp="1"/>
+          </p:cNvSpPr>
+          <p:nvPr>
+            <p:ph type="body" idx="1"/>
+          </p:nvPr>
+        </p:nvSpPr>
+        <p:spPr/>
+        <p:txBody>
+          <a:bodyPr>
+            <a:normAutofit/>
+          </a:bodyPr>
+          <a:lstStyle/>
+          <a:p>
+            <a:r>
+              <a:rPr lang="ru-RU" sz="2400" dirty="0" smtClean="0"/>
+              <a:t>С чего начать?</a:t>
+            </a:r>
+            <a:endParaRPr lang="ru-RU" sz="2400" dirty="0"/>
+          </a:p>
+        </p:txBody>
+      </p:sp>
+    </p:spTree>
+    <p:extLst>
+      <p:ext uri="{BB962C8B-B14F-4D97-AF65-F5344CB8AC3E}">
+        <p14:creationId xmlns:p14="http://schemas.microsoft.com/office/powerpoint/2010/main" val="3181086803"/>
+      </p:ext>
+    </p:extLst>
+  </p:cSld>
+  <p:clrMapOvr>
+    <a:masterClrMapping/>
+  </p:clrMapOvr>
+  <p:timing>
+    <p:tnLst>
+      <p:par>
+        <p:cTn id="1" dur="indefinite" restart="never" nodeType="tmRoot"/>
+      </p:par>
+    </p:tnLst>
+  </p:timing>
+</p:sld>
+</file>
+
+<file path=ppt/slides/slide60.xml><?xml version="1.0" encoding="utf-8"?>
+<p:sld xmlns:a="http://schemas.openxmlformats.org/drawingml/2006/main" xmlns:r="http://schemas.openxmlformats.org/officeDocument/2006/relationships" xmlns:p="http://schemas.openxmlformats.org/presentationml/2006/main">
+  <p:cSld>
+    <p:spTree>
+      <p:nvGrpSpPr>
+        <p:cNvPr id="1" name=""/>
+        <p:cNvGrpSpPr/>
+        <p:nvPr/>
+      </p:nvGrpSpPr>
+      <p:grpSpPr>
+        <a:xfrm>
+          <a:off x="0" y="0"/>
+          <a:ext cx="0" cy="0"/>
+          <a:chOff x="0" y="0"/>
+          <a:chExt cx="0" cy="0"/>
+        </a:xfrm>
+      </p:grpSpPr>
+      <p:sp>
+        <p:nvSpPr>
+          <p:cNvPr id="2" name="Заголовок 1"/>
+          <p:cNvSpPr>
+            <a:spLocks noGrp="1"/>
+          </p:cNvSpPr>
+          <p:nvPr>
+            <p:ph type="title"/>
+          </p:nvPr>
+        </p:nvSpPr>
+        <p:spPr/>
+        <p:txBody>
+          <a:bodyPr/>
+          <a:lstStyle/>
+          <a:p>
+            <a:r>
+              <a:rPr lang="en-US" dirty="0" smtClean="0"/>
+              <a:t>Pure functions!</a:t>
+            </a:r>
+            <a:endParaRPr lang="ru-RU" dirty="0"/>
+          </a:p>
+        </p:txBody>
+      </p:sp>
+      <p:sp>
+        <p:nvSpPr>
+          <p:cNvPr id="3" name="Объект 2"/>
+          <p:cNvSpPr>
+            <a:spLocks noGrp="1"/>
+          </p:cNvSpPr>
+          <p:nvPr>
+            <p:ph idx="1"/>
+          </p:nvPr>
+        </p:nvSpPr>
+        <p:spPr>
+          <a:xfrm>
+            <a:off x="457200" y="1600200"/>
+            <a:ext cx="8435280" cy="4525963"/>
+          </a:xfrm>
+        </p:spPr>
+        <p:txBody>
+          <a:bodyPr>
+            <a:normAutofit/>
+          </a:bodyPr>
+          <a:lstStyle/>
+          <a:p>
+            <a:pPr marL="0" indent="0">
+              <a:buNone/>
+            </a:pPr>
+            <a:r>
+              <a:rPr lang="en-US" sz="2400" dirty="0" err="1">
+                <a:latin typeface="Consolas" panose="020B0609020204030204" pitchFamily="49" charset="0"/>
+                <a:cs typeface="Consolas" panose="020B0609020204030204" pitchFamily="49" charset="0"/>
+              </a:rPr>
+              <a:t>File.WriteAllLines</a:t>
+            </a:r>
+            <a:r>
+              <a:rPr lang="en-US" sz="2400" dirty="0" smtClean="0">
+                <a:latin typeface="Consolas" panose="020B0609020204030204" pitchFamily="49" charset="0"/>
+                <a:cs typeface="Consolas" panose="020B0609020204030204" pitchFamily="49" charset="0"/>
+              </a:rPr>
+              <a:t>(</a:t>
+            </a:r>
+          </a:p>
+          <a:p>
+            <a:pPr marL="0" indent="0">
+              <a:buNone/>
+            </a:pPr>
+            <a:r>
+              <a:rPr lang="en-US" sz="2400" dirty="0" smtClean="0">
+                <a:latin typeface="Consolas" panose="020B0609020204030204" pitchFamily="49" charset="0"/>
+                <a:cs typeface="Consolas" panose="020B0609020204030204" pitchFamily="49" charset="0"/>
+              </a:rPr>
+              <a:t>  “</a:t>
+            </a:r>
+            <a:r>
+              <a:rPr lang="en-US" sz="2400" dirty="0">
+                <a:latin typeface="Consolas" panose="020B0609020204030204" pitchFamily="49" charset="0"/>
+                <a:cs typeface="Consolas" panose="020B0609020204030204" pitchFamily="49" charset="0"/>
+              </a:rPr>
+              <a:t>output.txt</a:t>
+            </a:r>
+            <a:r>
+              <a:rPr lang="en-US" sz="2400" dirty="0" smtClean="0">
+                <a:latin typeface="Consolas" panose="020B0609020204030204" pitchFamily="49" charset="0"/>
+                <a:cs typeface="Consolas" panose="020B0609020204030204" pitchFamily="49" charset="0"/>
+              </a:rPr>
+              <a:t>”,</a:t>
+            </a:r>
+          </a:p>
+          <a:p>
+            <a:pPr marL="0" indent="0">
+              <a:buNone/>
+            </a:pPr>
+            <a:r>
+              <a:rPr lang="en-US" sz="2400" dirty="0" smtClean="0">
+                <a:latin typeface="Consolas" panose="020B0609020204030204" pitchFamily="49" charset="0"/>
+                <a:cs typeface="Consolas" panose="020B0609020204030204" pitchFamily="49" charset="0"/>
+              </a:rPr>
+              <a:t>  </a:t>
+            </a:r>
+            <a:r>
+              <a:rPr lang="en-US" sz="2400" dirty="0" err="1" smtClean="0">
+                <a:latin typeface="Consolas" panose="020B0609020204030204" pitchFamily="49" charset="0"/>
+                <a:cs typeface="Consolas" panose="020B0609020204030204" pitchFamily="49" charset="0"/>
+              </a:rPr>
+              <a:t>File.ReadLines</a:t>
+            </a:r>
+            <a:r>
+              <a:rPr lang="en-US" sz="2400" dirty="0" smtClean="0">
+                <a:latin typeface="Consolas" panose="020B0609020204030204" pitchFamily="49" charset="0"/>
+                <a:cs typeface="Consolas" panose="020B0609020204030204" pitchFamily="49" charset="0"/>
+              </a:rPr>
+              <a:t>(“input.txt”)</a:t>
+            </a:r>
+          </a:p>
+          <a:p>
+            <a:pPr marL="0" indent="0">
+              <a:buNone/>
+            </a:pPr>
+            <a:r>
+              <a:rPr lang="en-US" sz="2400" dirty="0" smtClean="0">
+                <a:latin typeface="Consolas" panose="020B0609020204030204" pitchFamily="49" charset="0"/>
+                <a:cs typeface="Consolas" panose="020B0609020204030204" pitchFamily="49" charset="0"/>
+              </a:rPr>
+              <a:t>	.Select(</a:t>
+            </a:r>
+            <a:r>
+              <a:rPr lang="en-US" sz="2400" dirty="0" err="1" smtClean="0">
+                <a:latin typeface="Consolas" panose="020B0609020204030204" pitchFamily="49" charset="0"/>
+                <a:cs typeface="Consolas" panose="020B0609020204030204" pitchFamily="49" charset="0"/>
+              </a:rPr>
+              <a:t>int.Parse</a:t>
+            </a:r>
+            <a:r>
+              <a:rPr lang="en-US" sz="2400" dirty="0" smtClean="0">
+                <a:latin typeface="Consolas" panose="020B0609020204030204" pitchFamily="49" charset="0"/>
+                <a:cs typeface="Consolas" panose="020B0609020204030204" pitchFamily="49" charset="0"/>
+              </a:rPr>
+              <a:t>)</a:t>
+            </a:r>
+          </a:p>
+          <a:p>
+            <a:pPr marL="0" indent="0">
+              <a:buNone/>
+            </a:pPr>
+            <a:r>
+              <a:rPr lang="en-US" sz="2400" dirty="0">
+                <a:latin typeface="Consolas" panose="020B0609020204030204" pitchFamily="49" charset="0"/>
+                <a:cs typeface="Consolas" panose="020B0609020204030204" pitchFamily="49" charset="0"/>
+              </a:rPr>
+              <a:t>	</a:t>
+            </a:r>
+            <a:r>
+              <a:rPr lang="en-US" sz="2400" dirty="0" smtClean="0">
+                <a:latin typeface="Consolas" panose="020B0609020204030204" pitchFamily="49" charset="0"/>
+                <a:cs typeface="Consolas" panose="020B0609020204030204" pitchFamily="49" charset="0"/>
+              </a:rPr>
+              <a:t>.Select(</a:t>
+            </a:r>
+            <a:r>
+              <a:rPr lang="en-US" sz="2400" dirty="0" err="1" smtClean="0">
+                <a:latin typeface="Consolas" panose="020B0609020204030204" pitchFamily="49" charset="0"/>
+                <a:cs typeface="Consolas" panose="020B0609020204030204" pitchFamily="49" charset="0"/>
+              </a:rPr>
+              <a:t>ConvertToText</a:t>
+            </a:r>
+            <a:r>
+              <a:rPr lang="en-US" sz="2400" dirty="0" smtClean="0">
+                <a:latin typeface="Consolas" panose="020B0609020204030204" pitchFamily="49" charset="0"/>
+                <a:cs typeface="Consolas" panose="020B0609020204030204" pitchFamily="49" charset="0"/>
+              </a:rPr>
+              <a:t>)</a:t>
+            </a:r>
+          </a:p>
+          <a:p>
+            <a:pPr marL="0" indent="0">
+              <a:buNone/>
+            </a:pPr>
+            <a:r>
+              <a:rPr lang="en-US" sz="2400" dirty="0">
+                <a:latin typeface="Consolas" panose="020B0609020204030204" pitchFamily="49" charset="0"/>
+                <a:cs typeface="Consolas" panose="020B0609020204030204" pitchFamily="49" charset="0"/>
+              </a:rPr>
+              <a:t>	</a:t>
+            </a:r>
+            <a:r>
+              <a:rPr lang="en-US" sz="2400" dirty="0" smtClean="0">
+                <a:latin typeface="Consolas" panose="020B0609020204030204" pitchFamily="49" charset="0"/>
+                <a:cs typeface="Consolas" panose="020B0609020204030204" pitchFamily="49" charset="0"/>
+              </a:rPr>
+              <a:t>.</a:t>
+            </a:r>
+            <a:r>
+              <a:rPr lang="en-US" sz="2400" dirty="0" err="1" smtClean="0">
+                <a:latin typeface="Consolas" panose="020B0609020204030204" pitchFamily="49" charset="0"/>
+                <a:cs typeface="Consolas" panose="020B0609020204030204" pitchFamily="49" charset="0"/>
+              </a:rPr>
+              <a:t>ForEvery</a:t>
+            </a:r>
+            <a:r>
+              <a:rPr lang="en-US" sz="2400" dirty="0" smtClean="0">
+                <a:latin typeface="Consolas" panose="020B0609020204030204" pitchFamily="49" charset="0"/>
+                <a:cs typeface="Consolas" panose="020B0609020204030204" pitchFamily="49" charset="0"/>
+              </a:rPr>
+              <a:t>(10000, </a:t>
+            </a:r>
+            <a:r>
+              <a:rPr lang="en-US" sz="2400" dirty="0" err="1" smtClean="0">
+                <a:latin typeface="Consolas" panose="020B0609020204030204" pitchFamily="49" charset="0"/>
+                <a:cs typeface="Consolas" panose="020B0609020204030204" pitchFamily="49" charset="0"/>
+              </a:rPr>
+              <a:t>i</a:t>
+            </a:r>
+            <a:r>
+              <a:rPr lang="en-US" sz="2400" dirty="0" smtClean="0">
+                <a:latin typeface="Consolas" panose="020B0609020204030204" pitchFamily="49" charset="0"/>
+                <a:cs typeface="Consolas" panose="020B0609020204030204" pitchFamily="49" charset="0"/>
+              </a:rPr>
+              <a:t>=&gt;{</a:t>
+            </a:r>
+            <a:r>
+              <a:rPr lang="en-US" sz="2400" dirty="0" err="1" smtClean="0">
+                <a:latin typeface="Consolas" panose="020B0609020204030204" pitchFamily="49" charset="0"/>
+                <a:cs typeface="Consolas" panose="020B0609020204030204" pitchFamily="49" charset="0"/>
+              </a:rPr>
+              <a:t>Console.WriteLine</a:t>
+            </a:r>
+            <a:r>
+              <a:rPr lang="en-US" sz="2400" dirty="0" smtClean="0">
+                <a:latin typeface="Consolas" panose="020B0609020204030204" pitchFamily="49" charset="0"/>
+                <a:cs typeface="Consolas" panose="020B0609020204030204" pitchFamily="49" charset="0"/>
+              </a:rPr>
+              <a:t>(</a:t>
+            </a:r>
+            <a:r>
+              <a:rPr lang="en-US" sz="2400" dirty="0" err="1" smtClean="0">
+                <a:latin typeface="Consolas" panose="020B0609020204030204" pitchFamily="49" charset="0"/>
+                <a:cs typeface="Consolas" panose="020B0609020204030204" pitchFamily="49" charset="0"/>
+              </a:rPr>
+              <a:t>i</a:t>
+            </a:r>
+            <a:r>
+              <a:rPr lang="en-US" sz="2400" dirty="0" smtClean="0">
+                <a:latin typeface="Consolas" panose="020B0609020204030204" pitchFamily="49" charset="0"/>
+                <a:cs typeface="Consolas" panose="020B0609020204030204" pitchFamily="49" charset="0"/>
+              </a:rPr>
+              <a:t>)})</a:t>
+            </a:r>
+          </a:p>
+          <a:p>
+            <a:pPr marL="0" indent="0">
+              <a:buNone/>
+            </a:pPr>
+            <a:r>
+              <a:rPr lang="en-US" sz="2400" dirty="0" smtClean="0">
+                <a:latin typeface="Consolas" panose="020B0609020204030204" pitchFamily="49" charset="0"/>
+                <a:cs typeface="Consolas" panose="020B0609020204030204" pitchFamily="49" charset="0"/>
+              </a:rPr>
+              <a:t>);</a:t>
+            </a:r>
+          </a:p>
+        </p:txBody>
+      </p:sp>
+    </p:spTree>
+    <p:extLst>
+      <p:ext uri="{BB962C8B-B14F-4D97-AF65-F5344CB8AC3E}">
+        <p14:creationId xmlns:p14="http://schemas.microsoft.com/office/powerpoint/2010/main" val="1124193897"/>
+      </p:ext>
+    </p:extLst>
+  </p:cSld>
+  <p:clrMapOvr>
+    <a:masterClrMapping/>
+  </p:clrMapOvr>
+  <p:timing>
+    <p:tnLst>
+      <p:par>
+        <p:cTn id="1" dur="indefinite" restart="never" nodeType="tmRoot"/>
+      </p:par>
+    </p:tnLst>
+  </p:timing>
+</p:sld>
+</file>
+
+<file path=ppt/slides/slide61.xml><?xml version="1.0" encoding="utf-8"?>
+<p:sld xmlns:a="http://schemas.openxmlformats.org/drawingml/2006/main" xmlns:r="http://schemas.openxmlformats.org/officeDocument/2006/relationships" xmlns:p="http://schemas.openxmlformats.org/presentationml/2006/main">
+  <p:cSld>
+    <p:spTree>
+      <p:nvGrpSpPr>
+        <p:cNvPr id="1" name=""/>
+        <p:cNvGrpSpPr/>
+        <p:nvPr/>
+      </p:nvGrpSpPr>
+      <p:grpSpPr>
+        <a:xfrm>
+          <a:off x="0" y="0"/>
+          <a:ext cx="0" cy="0"/>
+          <a:chOff x="0" y="0"/>
+          <a:chExt cx="0" cy="0"/>
+        </a:xfrm>
+      </p:grpSpPr>
+      <p:sp>
+        <p:nvSpPr>
+          <p:cNvPr id="2" name="Заголовок 1"/>
+          <p:cNvSpPr>
+            <a:spLocks noGrp="1"/>
+          </p:cNvSpPr>
+          <p:nvPr>
+            <p:ph type="title"/>
+          </p:nvPr>
+        </p:nvSpPr>
+        <p:spPr/>
+        <p:txBody>
+          <a:bodyPr/>
+          <a:lstStyle/>
+          <a:p>
+            <a:r>
+              <a:rPr lang="en-US" dirty="0" smtClean="0"/>
+              <a:t>Immutable array</a:t>
+            </a:r>
+            <a:r>
+              <a:rPr lang="ru-RU" dirty="0" smtClean="0"/>
+              <a:t>? </a:t>
+            </a:r>
+            <a:r>
+              <a:rPr lang="en-US" dirty="0" err="1" smtClean="0"/>
+              <a:t>O_o</a:t>
+            </a:r>
+            <a:endParaRPr lang="ru-RU" dirty="0"/>
+          </a:p>
+        </p:txBody>
+      </p:sp>
+      <p:sp>
+        <p:nvSpPr>
+          <p:cNvPr id="3" name="Объект 2"/>
+          <p:cNvSpPr>
+            <a:spLocks noGrp="1"/>
+          </p:cNvSpPr>
+          <p:nvPr>
+            <p:ph idx="1"/>
+          </p:nvPr>
+        </p:nvSpPr>
+        <p:spPr/>
+        <p:txBody>
+          <a:bodyPr>
+            <a:normAutofit/>
+          </a:bodyPr>
+          <a:lstStyle/>
+          <a:p>
+            <a:pPr marL="0" indent="0">
+              <a:buNone/>
+            </a:pPr>
+            <a:r>
+              <a:rPr lang="en-US" dirty="0" smtClean="0"/>
+              <a:t>a[index], </a:t>
+            </a:r>
+            <a:r>
+              <a:rPr lang="en-US" dirty="0" err="1" smtClean="0"/>
+              <a:t>a.Length</a:t>
+            </a:r>
+            <a:endParaRPr lang="en-US" dirty="0" smtClean="0"/>
+          </a:p>
+        </p:txBody>
+      </p:sp>
+    </p:spTree>
+    <p:extLst>
+      <p:ext uri="{BB962C8B-B14F-4D97-AF65-F5344CB8AC3E}">
+        <p14:creationId xmlns:p14="http://schemas.microsoft.com/office/powerpoint/2010/main" val="1790770405"/>
+      </p:ext>
+    </p:extLst>
+  </p:cSld>
+  <p:clrMapOvr>
+    <a:masterClrMapping/>
+  </p:clrMapOvr>
+  <p:timing>
+    <p:tnLst>
+      <p:par>
+        <p:cTn id="1" dur="indefinite" restart="never" nodeType="tmRoot"/>
+      </p:par>
+    </p:tnLst>
+  </p:timing>
+</p:sld>
+</file>
+
+<file path=ppt/slides/slide62.xml><?xml version="1.0" encoding="utf-8"?>
+<p:sld xmlns:a="http://schemas.openxmlformats.org/drawingml/2006/main" xmlns:r="http://schemas.openxmlformats.org/officeDocument/2006/relationships" xmlns:p="http://schemas.openxmlformats.org/presentationml/2006/main">
+  <p:cSld>
+    <p:spTree>
+      <p:nvGrpSpPr>
+        <p:cNvPr id="1" name=""/>
+        <p:cNvGrpSpPr/>
+        <p:nvPr/>
+      </p:nvGrpSpPr>
+      <p:grpSpPr>
+        <a:xfrm>
+          <a:off x="0" y="0"/>
+          <a:ext cx="0" cy="0"/>
+          <a:chOff x="0" y="0"/>
+          <a:chExt cx="0" cy="0"/>
+        </a:xfrm>
+      </p:grpSpPr>
+      <p:sp>
+        <p:nvSpPr>
+          <p:cNvPr id="2" name="Заголовок 1"/>
+          <p:cNvSpPr>
+            <a:spLocks noGrp="1"/>
+          </p:cNvSpPr>
+          <p:nvPr>
+            <p:ph type="title"/>
+          </p:nvPr>
+        </p:nvSpPr>
+        <p:spPr/>
+        <p:txBody>
+          <a:bodyPr/>
+          <a:lstStyle/>
+          <a:p>
+            <a:r>
+              <a:rPr lang="en-US" dirty="0" smtClean="0"/>
+              <a:t>Immutable array!</a:t>
+            </a:r>
+            <a:endParaRPr lang="ru-RU" dirty="0"/>
+          </a:p>
+        </p:txBody>
+      </p:sp>
+      <p:sp>
+        <p:nvSpPr>
+          <p:cNvPr id="3" name="Объект 2"/>
+          <p:cNvSpPr>
+            <a:spLocks noGrp="1"/>
+          </p:cNvSpPr>
+          <p:nvPr>
+            <p:ph idx="1"/>
+          </p:nvPr>
+        </p:nvSpPr>
+        <p:spPr/>
+        <p:txBody>
+          <a:bodyPr/>
+          <a:lstStyle/>
+          <a:p>
+            <a:pPr marL="0" indent="0">
+              <a:buNone/>
+            </a:pPr>
+            <a:r>
+              <a:rPr lang="en-US" dirty="0" err="1"/>
+              <a:t>BinarySearchTree</a:t>
+            </a:r>
+            <a:endParaRPr lang="en-US" dirty="0"/>
+          </a:p>
+          <a:p>
+            <a:pPr marL="0" indent="0">
+              <a:buNone/>
+            </a:pPr>
+            <a:r>
+              <a:rPr lang="en-US" dirty="0"/>
+              <a:t>Node</a:t>
+            </a:r>
+          </a:p>
+          <a:p>
+            <a:pPr marL="0" indent="0">
+              <a:buNone/>
+            </a:pPr>
+            <a:r>
+              <a:rPr lang="en-US" dirty="0"/>
+              <a:t>	</a:t>
+            </a:r>
+            <a:r>
+              <a:rPr lang="en-US" dirty="0" err="1" smtClean="0"/>
+              <a:t>LeftChild</a:t>
+            </a:r>
+            <a:r>
+              <a:rPr lang="ru-RU" dirty="0" smtClean="0"/>
+              <a:t>, </a:t>
+            </a:r>
+            <a:r>
+              <a:rPr lang="en-US" dirty="0" err="1" smtClean="0"/>
+              <a:t>RightChild</a:t>
+            </a:r>
+            <a:endParaRPr lang="en-US" dirty="0"/>
+          </a:p>
+          <a:p>
+            <a:pPr marL="0" indent="0">
+              <a:buNone/>
+            </a:pPr>
+            <a:r>
+              <a:rPr lang="ru-RU" dirty="0"/>
+              <a:t>	</a:t>
+            </a:r>
+            <a:r>
+              <a:rPr lang="en-US" dirty="0" smtClean="0"/>
+              <a:t>Value</a:t>
+            </a:r>
+            <a:r>
+              <a:rPr lang="ru-RU" dirty="0" smtClean="0"/>
+              <a:t>, </a:t>
+            </a:r>
+            <a:r>
+              <a:rPr lang="en-US" dirty="0" smtClean="0"/>
+              <a:t>Size</a:t>
+            </a:r>
+            <a:endParaRPr lang="en-US" dirty="0"/>
+          </a:p>
+          <a:p>
+            <a:pPr marL="0" indent="0">
+              <a:buNone/>
+            </a:pPr>
+            <a:endParaRPr lang="ru-RU" dirty="0"/>
+          </a:p>
+        </p:txBody>
+      </p:sp>
+      <p:pic>
+        <p:nvPicPr>
+          <p:cNvPr id="1027" name="Picture 3"/>
+          <p:cNvPicPr>
+            <a:picLocks noChangeAspect="1" noChangeArrowheads="1"/>
+          </p:cNvPicPr>
+          <p:nvPr/>
+        </p:nvPicPr>
+        <p:blipFill>
+          <a:blip r:embed="rId2">
+            <a:extLst>
+              <a:ext uri="{28A0092B-C50C-407E-A947-70E740481C1C}">
+                <a14:useLocalDpi xmlns:a14="http://schemas.microsoft.com/office/drawing/2010/main" val="0"/>
+              </a:ext>
+            </a:extLst>
+          </a:blip>
+          <a:srcRect/>
+          <a:stretch>
+            <a:fillRect/>
+          </a:stretch>
+        </p:blipFill>
+        <p:spPr bwMode="auto">
+          <a:xfrm>
+            <a:off x="755576" y="3933056"/>
+            <a:ext cx="7553325" cy="2428875"/>
+          </a:xfrm>
+          <a:prstGeom prst="rect">
+            <a:avLst/>
+          </a:prstGeom>
+          <a:noFill/>
+          <a:ln>
+            <a:noFill/>
+          </a:ln>
+          <a:extLst>
+            <a:ext uri="{909E8E84-426E-40DD-AFC4-6F175D3DCCD1}">
+              <a14:hiddenFill xmlns:a14="http://schemas.microsoft.com/office/drawing/2010/main">
+                <a:solidFill>
+                  <a:schemeClr val="accent1"/>
+                </a:solidFill>
+              </a14:hiddenFill>
+            </a:ext>
+            <a:ext uri="{91240B29-F687-4F45-9708-019B960494DF}">
+              <a14:hiddenLine xmlns:a14="http://schemas.microsoft.com/office/drawing/2010/main" w="9525">
+                <a:solidFill>
+                  <a:schemeClr val="tx1"/>
+                </a:solidFill>
+                <a:miter lim="800000"/>
+                <a:headEnd/>
+                <a:tailEnd/>
+              </a14:hiddenLine>
+            </a:ext>
+          </a:extLst>
+        </p:spPr>
+      </p:pic>
+    </p:spTree>
+    <p:extLst>
+      <p:ext uri="{BB962C8B-B14F-4D97-AF65-F5344CB8AC3E}">
+        <p14:creationId xmlns:p14="http://schemas.microsoft.com/office/powerpoint/2010/main" val="1769250766"/>
+      </p:ext>
+    </p:extLst>
+  </p:cSld>
+  <p:clrMapOvr>
+    <a:masterClrMapping/>
+  </p:clrMapOvr>
+  <p:timing>
+    <p:tnLst>
+      <p:par>
+        <p:cTn id="1" dur="indefinite" restart="never" nodeType="tmRoot">
+          <p:childTnLst>
+            <p:seq concurrent="1" nextAc="seek">
+              <p:cTn id="2" dur="indefinite" nodeType="mainSeq">
+                <p:childTnLst>
+                  <p:par>
+                    <p:cTn id="3" fill="hold">
+                      <p:stCondLst>
+                        <p:cond delay="indefinite"/>
+                      </p:stCondLst>
+                      <p:childTnLst>
+                        <p:par>
+                          <p:cTn id="4" fill="hold">
+                            <p:stCondLst>
+                              <p:cond delay="0"/>
+                            </p:stCondLst>
+                            <p:childTnLst>
+                              <p:par>
+                                <p:cTn id="5" presetID="1" presetClass="entr" presetSubtype="0" fill="hold" nodeType="clickEffect">
+                                  <p:stCondLst>
+                                    <p:cond delay="0"/>
+                                  </p:stCondLst>
+                                  <p:childTnLst>
+                                    <p:set>
+                                      <p:cBhvr>
+                                        <p:cTn id="6" dur="1" fill="hold">
+                                          <p:stCondLst>
+                                            <p:cond delay="0"/>
+                                          </p:stCondLst>
+                                        </p:cTn>
+                                        <p:tgtEl>
+                                          <p:spTgt spid="1027"/>
+                                        </p:tgtEl>
+                                        <p:attrNameLst>
+                                          <p:attrName>style.visibility</p:attrName>
+                                        </p:attrNameLst>
+                                      </p:cBhvr>
+                                      <p:to>
+                                        <p:strVal val="visible"/>
+                                      </p:to>
+                                    </p:set>
+                                  </p:childTnLst>
+                                </p:cTn>
+                              </p:par>
+                            </p:childTnLst>
+                          </p:cTn>
+                        </p:par>
+                      </p:childTnLst>
+                    </p:cTn>
+                  </p:par>
+                </p:childTnLst>
+              </p:cTn>
+              <p:prevCondLst>
+                <p:cond evt="onPrev" delay="0">
+                  <p:tgtEl>
+                    <p:sldTgt/>
+                  </p:tgtEl>
+                </p:cond>
+              </p:prevCondLst>
+              <p:nextCondLst>
+                <p:cond evt="onNext" delay="0">
+                  <p:tgtEl>
+                    <p:sldTgt/>
+                  </p:tgtEl>
+                </p:cond>
+              </p:nextCondLst>
+            </p:seq>
+          </p:childTnLst>
+        </p:cTn>
+      </p:par>
+    </p:tnLst>
+  </p:timing>
+</p:sld>
+</file>
+
+<file path=ppt/slides/slide63.xml><?xml version="1.0" encoding="utf-8"?>
+<p:sld xmlns:a="http://schemas.openxmlformats.org/drawingml/2006/main" xmlns:r="http://schemas.openxmlformats.org/officeDocument/2006/relationships" xmlns:p="http://schemas.openxmlformats.org/presentationml/2006/main">
+  <p:cSld>
+    <p:spTree>
+      <p:nvGrpSpPr>
+        <p:cNvPr id="1" name=""/>
+        <p:cNvGrpSpPr/>
+        <p:nvPr/>
+      </p:nvGrpSpPr>
+      <p:grpSpPr>
+        <a:xfrm>
+          <a:off x="0" y="0"/>
+          <a:ext cx="0" cy="0"/>
+          <a:chOff x="0" y="0"/>
+          <a:chExt cx="0" cy="0"/>
+        </a:xfrm>
+      </p:grpSpPr>
+      <p:sp>
+        <p:nvSpPr>
+          <p:cNvPr id="2" name="Заголовок 1"/>
+          <p:cNvSpPr>
+            <a:spLocks noGrp="1"/>
+          </p:cNvSpPr>
+          <p:nvPr>
+            <p:ph type="title"/>
+          </p:nvPr>
+        </p:nvSpPr>
+        <p:spPr/>
+        <p:txBody>
+          <a:bodyPr/>
+          <a:lstStyle/>
+          <a:p>
+            <a:r>
+              <a:rPr lang="en-US" dirty="0" smtClean="0"/>
+              <a:t>Persistent data structures</a:t>
+            </a:r>
+            <a:endParaRPr lang="ru-RU" dirty="0"/>
+          </a:p>
+        </p:txBody>
+      </p:sp>
+      <p:sp>
+        <p:nvSpPr>
+          <p:cNvPr id="3" name="Объект 2"/>
+          <p:cNvSpPr>
+            <a:spLocks noGrp="1"/>
+          </p:cNvSpPr>
+          <p:nvPr>
+            <p:ph idx="1"/>
+          </p:nvPr>
+        </p:nvSpPr>
+        <p:spPr/>
+        <p:txBody>
+          <a:bodyPr>
+            <a:normAutofit/>
+          </a:bodyPr>
+          <a:lstStyle/>
+          <a:p>
+            <a:pPr marL="0" indent="0">
+              <a:buNone/>
+            </a:pPr>
+            <a:r>
+              <a:rPr lang="en-US" sz="2800" dirty="0">
+                <a:hlinkClick r:id="rId2"/>
+              </a:rPr>
+              <a:t>http://en.wikipedia.org/wiki/Persistent_data_structure</a:t>
+            </a:r>
+            <a:endParaRPr lang="ru-RU" sz="2800" dirty="0"/>
+          </a:p>
+        </p:txBody>
+      </p:sp>
+    </p:spTree>
+    <p:extLst>
+      <p:ext uri="{BB962C8B-B14F-4D97-AF65-F5344CB8AC3E}">
+        <p14:creationId xmlns:p14="http://schemas.microsoft.com/office/powerpoint/2010/main" val="3168406802"/>
+      </p:ext>
+    </p:extLst>
+  </p:cSld>
+  <p:clrMapOvr>
+    <a:masterClrMapping/>
+  </p:clrMapOvr>
+  <p:timing>
+    <p:tnLst>
+      <p:par>
+        <p:cTn id="1" dur="indefinite" restart="never" nodeType="tmRoot"/>
+      </p:par>
+    </p:tnLst>
+  </p:timing>
+</p:sld>
+</file>
+
+<file path=ppt/slides/slide64.xml><?xml version="1.0" encoding="utf-8"?>
+<p:sld xmlns:a="http://schemas.openxmlformats.org/drawingml/2006/main" xmlns:r="http://schemas.openxmlformats.org/officeDocument/2006/relationships" xmlns:p="http://schemas.openxmlformats.org/presentationml/2006/main">
+  <p:cSld>
+    <p:spTree>
+      <p:nvGrpSpPr>
+        <p:cNvPr id="1" name=""/>
+        <p:cNvGrpSpPr/>
+        <p:nvPr/>
+      </p:nvGrpSpPr>
+      <p:grpSpPr>
+        <a:xfrm>
+          <a:off x="0" y="0"/>
+          <a:ext cx="0" cy="0"/>
+          <a:chOff x="0" y="0"/>
+          <a:chExt cx="0" cy="0"/>
+        </a:xfrm>
+      </p:grpSpPr>
+      <p:sp>
+        <p:nvSpPr>
+          <p:cNvPr id="2" name="Заголовок 1"/>
+          <p:cNvSpPr>
+            <a:spLocks noGrp="1"/>
+          </p:cNvSpPr>
+          <p:nvPr>
+            <p:ph type="title"/>
+          </p:nvPr>
+        </p:nvSpPr>
+        <p:spPr/>
+        <p:txBody>
+          <a:bodyPr/>
+          <a:lstStyle/>
+          <a:p>
+            <a:r>
+              <a:rPr lang="en-US" dirty="0" smtClean="0"/>
+              <a:t>FP: </a:t>
+            </a:r>
+            <a:r>
+              <a:rPr lang="ru-RU" dirty="0" smtClean="0"/>
+              <a:t>Зачем?!</a:t>
+            </a:r>
+            <a:endParaRPr lang="ru-RU" dirty="0"/>
+          </a:p>
+        </p:txBody>
+      </p:sp>
+      <p:sp>
+        <p:nvSpPr>
+          <p:cNvPr id="3" name="Объект 2"/>
+          <p:cNvSpPr>
+            <a:spLocks noGrp="1"/>
+          </p:cNvSpPr>
+          <p:nvPr>
+            <p:ph idx="1"/>
+          </p:nvPr>
+        </p:nvSpPr>
+        <p:spPr>
+          <a:xfrm>
+            <a:off x="457200" y="1412776"/>
+            <a:ext cx="8435280" cy="4713387"/>
+          </a:xfrm>
+        </p:spPr>
+        <p:txBody>
+          <a:bodyPr>
+            <a:normAutofit/>
+          </a:bodyPr>
+          <a:lstStyle/>
+          <a:p>
+            <a:pPr marL="0" indent="0">
+              <a:buNone/>
+            </a:pPr>
+            <a:r>
+              <a:rPr lang="ru-RU" sz="2800" dirty="0" smtClean="0"/>
+              <a:t>Чистые функции → явные зависимости</a:t>
+            </a:r>
+          </a:p>
+          <a:p>
+            <a:pPr marL="0" indent="0">
+              <a:buNone/>
+            </a:pPr>
+            <a:r>
+              <a:rPr lang="ru-RU" sz="2800" dirty="0" smtClean="0"/>
+              <a:t>Неизменяемые данные → проще зависимости,</a:t>
+            </a:r>
+            <a:r>
+              <a:rPr lang="en-US" sz="2800" dirty="0" smtClean="0"/>
+              <a:t> </a:t>
+            </a:r>
+            <a:r>
+              <a:rPr lang="ru-RU" sz="2800" dirty="0" smtClean="0"/>
+              <a:t>проще </a:t>
+            </a:r>
+            <a:r>
+              <a:rPr lang="ru-RU" sz="2800" dirty="0" err="1" smtClean="0"/>
+              <a:t>многопоточность</a:t>
+            </a:r>
+            <a:endParaRPr lang="ru-RU" sz="2800" dirty="0" smtClean="0"/>
+          </a:p>
+          <a:p>
+            <a:pPr marL="0" indent="0">
+              <a:buNone/>
+            </a:pPr>
+            <a:endParaRPr lang="ru-RU" sz="2800" dirty="0" smtClean="0"/>
+          </a:p>
+          <a:p>
+            <a:pPr marL="0" indent="0">
+              <a:buNone/>
+            </a:pPr>
+            <a:r>
+              <a:rPr lang="ru-RU" sz="2800" dirty="0" smtClean="0"/>
+              <a:t>Меньше </a:t>
+            </a:r>
+            <a:r>
+              <a:rPr lang="ru-RU" sz="2800" dirty="0"/>
+              <a:t>ошибок, понятнее код</a:t>
+            </a:r>
+          </a:p>
+          <a:p>
+            <a:pPr marL="0" indent="0">
+              <a:buNone/>
+            </a:pPr>
+            <a:endParaRPr lang="ru-RU" sz="2800" dirty="0" smtClean="0"/>
+          </a:p>
+          <a:p>
+            <a:pPr marL="0" indent="0">
+              <a:buNone/>
+            </a:pPr>
+            <a:r>
+              <a:rPr lang="ru-RU" sz="2800" dirty="0" smtClean="0"/>
+              <a:t>ФВП → больше возможностей обобщения</a:t>
+            </a:r>
+          </a:p>
+          <a:p>
+            <a:pPr marL="0" indent="0">
+              <a:buNone/>
+            </a:pPr>
+            <a:endParaRPr lang="ru-RU" sz="2800" dirty="0" smtClean="0"/>
+          </a:p>
+          <a:p>
+            <a:pPr marL="0" indent="0">
+              <a:buNone/>
+            </a:pPr>
+            <a:r>
+              <a:rPr lang="ru-RU" sz="2800" dirty="0" smtClean="0"/>
+              <a:t>Меньше велосипедов</a:t>
+            </a:r>
+            <a:endParaRPr lang="ru-RU" sz="2800" dirty="0"/>
+          </a:p>
+        </p:txBody>
+      </p:sp>
+    </p:spTree>
+    <p:extLst>
+      <p:ext uri="{BB962C8B-B14F-4D97-AF65-F5344CB8AC3E}">
+        <p14:creationId xmlns:p14="http://schemas.microsoft.com/office/powerpoint/2010/main" val="814920944"/>
+      </p:ext>
+    </p:extLst>
+  </p:cSld>
+  <p:clrMapOvr>
+    <a:masterClrMapping/>
+  </p:clrMapOvr>
+  <p:timing>
+    <p:tnLst>
+      <p:par>
+        <p:cTn id="1" dur="indefinite" restart="never" nodeType="tmRoot">
+          <p:childTnLst>
+            <p:seq concurrent="1" nextAc="seek">
+              <p:cTn id="2" dur="indefinite" nodeType="mainSeq">
+                <p:childTnLst>
+                  <p:par>
+                    <p:cTn id="3" fill="hold">
+                      <p:stCondLst>
+                        <p:cond delay="indefinite"/>
+                      </p:stCondLst>
+                      <p:childTnLst>
+                        <p:par>
+                          <p:cTn id="4" fill="hold">
+                            <p:stCondLst>
+                              <p:cond delay="0"/>
+                            </p:stCondLst>
+                            <p:childTnLst>
+                              <p:par>
+                                <p:cTn id="5" presetID="1" presetClass="entr" presetSubtype="0" fill="hold" nodeType="clickEffect">
+                                  <p:stCondLst>
+                                    <p:cond delay="0"/>
+                                  </p:stCondLst>
+                                  <p:childTnLst>
+                                    <p:set>
+                                      <p:cBhvr>
+                                        <p:cTn id="6" dur="1" fill="hold">
+                                          <p:stCondLst>
+                                            <p:cond delay="0"/>
+                                          </p:stCondLst>
+                                        </p:cTn>
+                                        <p:tgtEl>
+                                          <p:spTgt spid="3">
+                                            <p:txEl>
+                                              <p:pRg st="3" end="3"/>
+                                            </p:txEl>
+                                          </p:spTgt>
+                                        </p:tgtEl>
+                                        <p:attrNameLst>
+                                          <p:attrName>style.visibility</p:attrName>
+                                        </p:attrNameLst>
+                                      </p:cBhvr>
+                                      <p:to>
+                                        <p:strVal val="visible"/>
+                                      </p:to>
+                                    </p:set>
+                                  </p:childTnLst>
+                                </p:cTn>
+                              </p:par>
+                            </p:childTnLst>
+                          </p:cTn>
+                        </p:par>
+                      </p:childTnLst>
+                    </p:cTn>
+                  </p:par>
+                  <p:par>
+                    <p:cTn id="7" fill="hold">
+                      <p:stCondLst>
+                        <p:cond delay="indefinite"/>
+                      </p:stCondLst>
+                      <p:childTnLst>
+                        <p:par>
+                          <p:cTn id="8" fill="hold">
+                            <p:stCondLst>
+                              <p:cond delay="0"/>
+                            </p:stCondLst>
+                            <p:childTnLst>
+                              <p:par>
+                                <p:cTn id="9" presetID="1" presetClass="entr" presetSubtype="0" fill="hold" nodeType="clickEffect">
+                                  <p:stCondLst>
+                                    <p:cond delay="0"/>
+                                  </p:stCondLst>
+                                  <p:childTnLst>
+                                    <p:set>
+                                      <p:cBhvr>
+                                        <p:cTn id="10" dur="1" fill="hold">
+                                          <p:stCondLst>
+                                            <p:cond delay="0"/>
+                                          </p:stCondLst>
+                                        </p:cTn>
+                                        <p:tgtEl>
+                                          <p:spTgt spid="3">
+                                            <p:txEl>
+                                              <p:pRg st="5" end="5"/>
+                                            </p:txEl>
+                                          </p:spTgt>
+                                        </p:tgtEl>
+                                        <p:attrNameLst>
+                                          <p:attrName>style.visibility</p:attrName>
+                                        </p:attrNameLst>
+                                      </p:cBhvr>
+                                      <p:to>
+                                        <p:strVal val="visible"/>
+                                      </p:to>
+                                    </p:set>
+                                  </p:childTnLst>
+                                </p:cTn>
+                              </p:par>
+                            </p:childTnLst>
+                          </p:cTn>
+                        </p:par>
+                      </p:childTnLst>
+                    </p:cTn>
+                  </p:par>
+                  <p:par>
+                    <p:cTn id="11" fill="hold">
+                      <p:stCondLst>
+                        <p:cond delay="indefinite"/>
+                      </p:stCondLst>
+                      <p:childTnLst>
+                        <p:par>
+                          <p:cTn id="12" fill="hold">
+                            <p:stCondLst>
+                              <p:cond delay="0"/>
+                            </p:stCondLst>
+                            <p:childTnLst>
+                              <p:par>
+                                <p:cTn id="13" presetID="1" presetClass="entr" presetSubtype="0" fill="hold" nodeType="clickEffect">
+                                  <p:stCondLst>
+                                    <p:cond delay="0"/>
+                                  </p:stCondLst>
+                                  <p:childTnLst>
+                                    <p:set>
+                                      <p:cBhvr>
+                                        <p:cTn id="14" dur="1" fill="hold">
+                                          <p:stCondLst>
+                                            <p:cond delay="0"/>
+                                          </p:stCondLst>
+                                        </p:cTn>
+                                        <p:tgtEl>
+                                          <p:spTgt spid="3">
+                                            <p:txEl>
+                                              <p:pRg st="7" end="7"/>
+                                            </p:txEl>
+                                          </p:spTgt>
+                                        </p:tgtEl>
+                                        <p:attrNameLst>
+                                          <p:attrName>style.visibility</p:attrName>
+                                        </p:attrNameLst>
+                                      </p:cBhvr>
+                                      <p:to>
+                                        <p:strVal val="visible"/>
+                                      </p:to>
+                                    </p:set>
+                                  </p:childTnLst>
+                                </p:cTn>
+                              </p:par>
+                            </p:childTnLst>
+                          </p:cTn>
+                        </p:par>
+                      </p:childTnLst>
+                    </p:cTn>
+                  </p:par>
+                </p:childTnLst>
+              </p:cTn>
+              <p:prevCondLst>
+                <p:cond evt="onPrev" delay="0">
+                  <p:tgtEl>
+                    <p:sldTgt/>
+                  </p:tgtEl>
+                </p:cond>
+              </p:prevCondLst>
+              <p:nextCondLst>
+                <p:cond evt="onNext" delay="0">
+                  <p:tgtEl>
+                    <p:sldTgt/>
+                  </p:tgtEl>
+                </p:cond>
+              </p:nextCondLst>
+            </p:seq>
+          </p:childTnLst>
+        </p:cTn>
+      </p:par>
+    </p:tnLst>
+  </p:timing>
+</p:sld>
+</file>
+
+<file path=ppt/slides/slide65.xml><?xml version="1.0" encoding="utf-8"?>
+<p:sld xmlns:a="http://schemas.openxmlformats.org/drawingml/2006/main" xmlns:r="http://schemas.openxmlformats.org/officeDocument/2006/relationships" xmlns:p="http://schemas.openxmlformats.org/presentationml/2006/main">
+  <p:cSld>
+    <p:spTree>
+      <p:nvGrpSpPr>
+        <p:cNvPr id="1" name=""/>
+        <p:cNvGrpSpPr/>
+        <p:nvPr/>
+      </p:nvGrpSpPr>
+      <p:grpSpPr>
+        <a:xfrm>
+          <a:off x="0" y="0"/>
+          <a:ext cx="0" cy="0"/>
+          <a:chOff x="0" y="0"/>
+          <a:chExt cx="0" cy="0"/>
+        </a:xfrm>
+      </p:grpSpPr>
+      <p:sp>
+        <p:nvSpPr>
+          <p:cNvPr id="4" name="Заголовок 3"/>
+          <p:cNvSpPr>
+            <a:spLocks noGrp="1"/>
+          </p:cNvSpPr>
+          <p:nvPr>
+            <p:ph type="title"/>
+          </p:nvPr>
+        </p:nvSpPr>
+        <p:spPr/>
+        <p:txBody>
+          <a:bodyPr/>
+          <a:lstStyle/>
+          <a:p>
+            <a:r>
               <a:rPr lang="ru-RU" dirty="0" smtClean="0"/>
               <a:t>Ещё что-нибудь?</a:t>
             </a:r>
@@ -27050,7 +28456,7 @@
 </p:sld>
 </file>
 
-<file path=ppt/slides/slide58.xml><?xml version="1.0" encoding="utf-8"?>
+<file path=ppt/slides/slide66.xml><?xml version="1.0" encoding="utf-8"?>
 <p:sld xmlns:a="http://schemas.openxmlformats.org/drawingml/2006/main" xmlns:r="http://schemas.openxmlformats.org/officeDocument/2006/relationships" xmlns:p="http://schemas.openxmlformats.org/presentationml/2006/main">
   <p:cSld>
     <p:spTree>
@@ -27818,7 +29224,7 @@
 </p:sld>
 </file>
 
-<file path=ppt/slides/slide59.xml><?xml version="1.0" encoding="utf-8"?>
+<file path=ppt/slides/slide67.xml><?xml version="1.0" encoding="utf-8"?>
 <p:sld xmlns:a="http://schemas.openxmlformats.org/drawingml/2006/main" xmlns:r="http://schemas.openxmlformats.org/officeDocument/2006/relationships" xmlns:p="http://schemas.openxmlformats.org/presentationml/2006/main">
   <p:cSld>
     <p:spTree>
@@ -27908,97 +29314,6 @@
     <p:extLst>
       <p:ext uri="{BB962C8B-B14F-4D97-AF65-F5344CB8AC3E}">
         <p14:creationId xmlns:p14="http://schemas.microsoft.com/office/powerpoint/2010/main" val="4263424599"/>
-      </p:ext>
-    </p:extLst>
-  </p:cSld>
-  <p:clrMapOvr>
-    <a:masterClrMapping/>
-  </p:clrMapOvr>
-  <p:timing>
-    <p:tnLst>
-      <p:par>
-        <p:cTn id="1" dur="indefinite" restart="never" nodeType="tmRoot"/>
-      </p:par>
-    </p:tnLst>
-  </p:timing>
-</p:sld>
-</file>
-
-<file path=ppt/slides/slide6.xml><?xml version="1.0" encoding="utf-8"?>
-<p:sld xmlns:a="http://schemas.openxmlformats.org/drawingml/2006/main" xmlns:r="http://schemas.openxmlformats.org/officeDocument/2006/relationships" xmlns:p="http://schemas.openxmlformats.org/presentationml/2006/main">
-  <p:cSld>
-    <p:spTree>
-      <p:nvGrpSpPr>
-        <p:cNvPr id="1" name=""/>
-        <p:cNvGrpSpPr/>
-        <p:nvPr/>
-      </p:nvGrpSpPr>
-      <p:grpSpPr>
-        <a:xfrm>
-          <a:off x="0" y="0"/>
-          <a:ext cx="0" cy="0"/>
-          <a:chOff x="0" y="0"/>
-          <a:chExt cx="0" cy="0"/>
-        </a:xfrm>
-      </p:grpSpPr>
-      <p:sp>
-        <p:nvSpPr>
-          <p:cNvPr id="2" name="Заголовок 1"/>
-          <p:cNvSpPr>
-            <a:spLocks noGrp="1"/>
-          </p:cNvSpPr>
-          <p:nvPr>
-            <p:ph type="title"/>
-          </p:nvPr>
-        </p:nvSpPr>
-        <p:spPr/>
-        <p:txBody>
-          <a:bodyPr>
-            <a:noAutofit/>
-          </a:bodyPr>
-          <a:lstStyle/>
-          <a:p>
-            <a:r>
-              <a:rPr lang="ru-RU" dirty="0"/>
-              <a:t>Имена и </a:t>
-            </a:r>
-            <a:r>
-              <a:rPr lang="ru-RU" dirty="0" smtClean="0"/>
-              <a:t>сигнатуры методов</a:t>
-            </a:r>
-            <a:endParaRPr lang="ru-RU" dirty="0"/>
-          </a:p>
-        </p:txBody>
-      </p:sp>
-      <p:sp>
-        <p:nvSpPr>
-          <p:cNvPr id="3" name="Текст 2"/>
-          <p:cNvSpPr>
-            <a:spLocks noGrp="1"/>
-          </p:cNvSpPr>
-          <p:nvPr>
-            <p:ph type="body" idx="1"/>
-          </p:nvPr>
-        </p:nvSpPr>
-        <p:spPr/>
-        <p:txBody>
-          <a:bodyPr>
-            <a:normAutofit/>
-          </a:bodyPr>
-          <a:lstStyle/>
-          <a:p>
-            <a:r>
-              <a:rPr lang="ru-RU" sz="2400" dirty="0" smtClean="0"/>
-              <a:t>С чего начать?</a:t>
-            </a:r>
-            <a:endParaRPr lang="ru-RU" sz="2400" dirty="0"/>
-          </a:p>
-        </p:txBody>
-      </p:sp>
-    </p:spTree>
-    <p:extLst>
-      <p:ext uri="{BB962C8B-B14F-4D97-AF65-F5344CB8AC3E}">
-        <p14:creationId xmlns:p14="http://schemas.microsoft.com/office/powerpoint/2010/main" val="3181086803"/>
       </p:ext>
     </p:extLst>
   </p:cSld>
@@ -28884,7 +30199,7 @@
 </file>
 
 <file path=ppt/slides/slide8.xml><?xml version="1.0" encoding="utf-8"?>
-<p:sld xmlns:a="http://schemas.openxmlformats.org/drawingml/2006/main" xmlns:r="http://schemas.openxmlformats.org/officeDocument/2006/relationships" xmlns:p="http://schemas.openxmlformats.org/presentationml/2006/main">
+<p:sld xmlns:a="http://schemas.openxmlformats.org/drawingml/2006/main" xmlns:r="http://schemas.openxmlformats.org/officeDocument/2006/relationships" xmlns:p="http://schemas.openxmlformats.org/presentationml/2006/main" show="0">
   <p:cSld>
     <p:spTree>
       <p:nvGrpSpPr>
@@ -29153,6 +30468,14 @@
   <p:clrMapOvr>
     <a:masterClrMapping/>
   </p:clrMapOvr>
+  <mc:AlternateContent xmlns:mc="http://schemas.openxmlformats.org/markup-compatibility/2006">
+    <mc:Choice xmlns:p14="http://schemas.microsoft.com/office/powerpoint/2010/main" Requires="p14">
+      <p:transition spd="slow" p14:dur="2000"/>
+    </mc:Choice>
+    <mc:Fallback>
+      <p:transition spd="slow"/>
+    </mc:Fallback>
+  </mc:AlternateContent>
   <p:timing>
     <p:tnLst>
       <p:par>
@@ -29626,41 +30949,34 @@
               <a:buNone/>
             </a:pPr>
             <a:r>
-              <a:rPr lang="en-US" sz="2400" dirty="0" err="1" smtClean="0">
-                <a:latin typeface="Consolas" panose="020B0609020204030204" pitchFamily="49" charset="0"/>
-                <a:cs typeface="Consolas" panose="020B0609020204030204" pitchFamily="49" charset="0"/>
-              </a:rPr>
-              <a:t>IEnumerable</a:t>
-            </a:r>
-            <a:r>
-              <a:rPr lang="en-US" sz="2400" dirty="0" smtClean="0">
-                <a:latin typeface="Consolas" panose="020B0609020204030204" pitchFamily="49" charset="0"/>
-                <a:cs typeface="Consolas" panose="020B0609020204030204" pitchFamily="49" charset="0"/>
-              </a:rPr>
-              <a:t>&lt;</a:t>
-            </a:r>
-            <a:r>
-              <a:rPr lang="en-US" sz="2400" b="1" dirty="0" err="1" smtClean="0">
-                <a:latin typeface="Consolas" panose="020B0609020204030204" pitchFamily="49" charset="0"/>
-                <a:cs typeface="Consolas" panose="020B0609020204030204" pitchFamily="49" charset="0"/>
-              </a:rPr>
-              <a:t>int</a:t>
-            </a:r>
-            <a:r>
               <a:rPr lang="en-US" sz="2400" dirty="0">
                 <a:latin typeface="Consolas" panose="020B0609020204030204" pitchFamily="49" charset="0"/>
                 <a:cs typeface="Consolas" panose="020B0609020204030204" pitchFamily="49" charset="0"/>
               </a:rPr>
-              <a:t>&gt; </a:t>
-            </a:r>
-            <a:r>
-              <a:rPr lang="en-US" sz="2400" dirty="0" smtClean="0">
+              <a:t>List&lt;</a:t>
+            </a:r>
+            <a:r>
+              <a:rPr lang="en-US" sz="2400" b="1" dirty="0" err="1">
                 <a:latin typeface="Consolas" panose="020B0609020204030204" pitchFamily="49" charset="0"/>
                 <a:cs typeface="Consolas" panose="020B0609020204030204" pitchFamily="49" charset="0"/>
               </a:rPr>
-              <a:t>inter</a:t>
-            </a:r>
-            <a:endParaRPr lang="ru-RU" sz="2400" dirty="0" smtClean="0">
+              <a:t>int</a:t>
+            </a:r>
+            <a:r>
+              <a:rPr lang="en-US" sz="2400" dirty="0">
+                <a:latin typeface="Consolas" panose="020B0609020204030204" pitchFamily="49" charset="0"/>
+                <a:cs typeface="Consolas" panose="020B0609020204030204" pitchFamily="49" charset="0"/>
+              </a:rPr>
+              <a:t>&gt; </a:t>
+            </a:r>
+            <a:r>
+              <a:rPr lang="en-US" sz="2400" dirty="0" err="1">
+                <a:latin typeface="Consolas" panose="020B0609020204030204" pitchFamily="49" charset="0"/>
+                <a:cs typeface="Consolas" panose="020B0609020204030204" pitchFamily="49" charset="0"/>
+              </a:rPr>
+              <a:t>tmp</a:t>
+            </a:r>
+            <a:endParaRPr lang="en-US" sz="2400" dirty="0">
               <a:latin typeface="Consolas" panose="020B0609020204030204" pitchFamily="49" charset="0"/>
               <a:cs typeface="Consolas" panose="020B0609020204030204" pitchFamily="49" charset="0"/>
             </a:endParaRPr>
@@ -29676,34 +30992,41 @@
               <a:buNone/>
             </a:pPr>
             <a:r>
+              <a:rPr lang="en-US" sz="2400" dirty="0" err="1" smtClean="0">
+                <a:latin typeface="Consolas" panose="020B0609020204030204" pitchFamily="49" charset="0"/>
+                <a:cs typeface="Consolas" panose="020B0609020204030204" pitchFamily="49" charset="0"/>
+              </a:rPr>
+              <a:t>IEnumerable</a:t>
+            </a:r>
+            <a:r>
+              <a:rPr lang="en-US" sz="2400" dirty="0" smtClean="0">
+                <a:latin typeface="Consolas" panose="020B0609020204030204" pitchFamily="49" charset="0"/>
+                <a:cs typeface="Consolas" panose="020B0609020204030204" pitchFamily="49" charset="0"/>
+              </a:rPr>
+              <a:t>&lt;</a:t>
+            </a:r>
+            <a:r>
+              <a:rPr lang="en-US" sz="2400" b="1" dirty="0" err="1" smtClean="0">
+                <a:latin typeface="Consolas" panose="020B0609020204030204" pitchFamily="49" charset="0"/>
+                <a:cs typeface="Consolas" panose="020B0609020204030204" pitchFamily="49" charset="0"/>
+              </a:rPr>
+              <a:t>int</a:t>
+            </a:r>
+            <a:r>
               <a:rPr lang="en-US" sz="2400" dirty="0">
                 <a:latin typeface="Consolas" panose="020B0609020204030204" pitchFamily="49" charset="0"/>
                 <a:cs typeface="Consolas" panose="020B0609020204030204" pitchFamily="49" charset="0"/>
               </a:rPr>
-              <a:t>List&lt;</a:t>
-            </a:r>
-            <a:r>
-              <a:rPr lang="en-US" sz="2400" b="1" dirty="0" err="1">
+              <a:t>&gt; </a:t>
+            </a:r>
+            <a:r>
+              <a:rPr lang="en-US" sz="2400" dirty="0" smtClean="0">
                 <a:latin typeface="Consolas" panose="020B0609020204030204" pitchFamily="49" charset="0"/>
                 <a:cs typeface="Consolas" panose="020B0609020204030204" pitchFamily="49" charset="0"/>
               </a:rPr>
-              <a:t>int</a:t>
-            </a:r>
-            <a:r>
-              <a:rPr lang="en-US" sz="2400" dirty="0">
-                <a:latin typeface="Consolas" panose="020B0609020204030204" pitchFamily="49" charset="0"/>
-                <a:cs typeface="Consolas" panose="020B0609020204030204" pitchFamily="49" charset="0"/>
-              </a:rPr>
-              <a:t>&gt; </a:t>
-            </a:r>
-            <a:r>
-              <a:rPr lang="en-US" sz="2400" dirty="0" err="1" smtClean="0">
-                <a:latin typeface="Consolas" panose="020B0609020204030204" pitchFamily="49" charset="0"/>
-                <a:cs typeface="Consolas" panose="020B0609020204030204" pitchFamily="49" charset="0"/>
-              </a:rPr>
-              <a:t>tmp</a:t>
-            </a:r>
-            <a:endParaRPr lang="en-US" sz="2400" dirty="0" smtClean="0">
+              <a:t>inter</a:t>
+            </a:r>
+            <a:endParaRPr lang="ru-RU" sz="2400" dirty="0" smtClean="0">
               <a:latin typeface="Consolas" panose="020B0609020204030204" pitchFamily="49" charset="0"/>
               <a:cs typeface="Consolas" panose="020B0609020204030204" pitchFamily="49" charset="0"/>
             </a:endParaRPr>
@@ -29730,7 +31053,14 @@
                 <a:latin typeface="Consolas" panose="020B0609020204030204" pitchFamily="49" charset="0"/>
                 <a:cs typeface="Consolas" panose="020B0609020204030204" pitchFamily="49" charset="0"/>
               </a:rPr>
-              <a:t> flag</a:t>
+              <a:t> </a:t>
+            </a:r>
+            <a:r>
+              <a:rPr lang="en-US" sz="2400" dirty="0" smtClean="0">
+                <a:latin typeface="Consolas" panose="020B0609020204030204" pitchFamily="49" charset="0"/>
+                <a:cs typeface="Consolas" panose="020B0609020204030204" pitchFamily="49" charset="0"/>
+              </a:rPr>
+              <a:t>flag</a:t>
             </a:r>
           </a:p>
           <a:p>

--- a/02-CleanCode&Testing/CleanCode.pptx
+++ b/02-CleanCode&Testing/CleanCode.pptx
@@ -246,11 +246,11 @@
           <c:showPercent val="0"/>
           <c:showBubbleSize val="0"/>
         </c:dLbls>
-        <c:axId val="75646080"/>
-        <c:axId val="75646656"/>
+        <c:axId val="156151744"/>
+        <c:axId val="156152320"/>
       </c:scatterChart>
       <c:valAx>
-        <c:axId val="75646080"/>
+        <c:axId val="156151744"/>
         <c:scaling>
           <c:orientation val="minMax"/>
         </c:scaling>
@@ -260,12 +260,12 @@
         <c:majorTickMark val="out"/>
         <c:minorTickMark val="none"/>
         <c:tickLblPos val="nextTo"/>
-        <c:crossAx val="75646656"/>
+        <c:crossAx val="156152320"/>
         <c:crosses val="autoZero"/>
         <c:crossBetween val="midCat"/>
       </c:valAx>
       <c:valAx>
-        <c:axId val="75646656"/>
+        <c:axId val="156152320"/>
         <c:scaling>
           <c:orientation val="minMax"/>
         </c:scaling>
@@ -275,7 +275,7 @@
         <c:majorTickMark val="out"/>
         <c:minorTickMark val="none"/>
         <c:tickLblPos val="nextTo"/>
-        <c:crossAx val="75646080"/>
+        <c:crossAx val="156151744"/>
         <c:crosses val="autoZero"/>
         <c:crossBetween val="midCat"/>
       </c:valAx>
@@ -382,7 +382,7 @@
           <a:p>
             <a:fld id="{2C2C51BA-9C8E-4938-991B-0B9DAB69953D}" type="datetimeFigureOut">
               <a:rPr lang="ru-RU" smtClean="0"/>
-              <a:t>21.11.2013</a:t>
+              <a:t>22.11.2013</a:t>
             </a:fld>
             <a:endParaRPr lang="ru-RU"/>
           </a:p>
@@ -547,7 +547,7 @@
           <a:p>
             <a:fld id="{426FB16C-8069-43A4-A09F-21010F2DDFB6}" type="datetimeFigureOut">
               <a:rPr lang="ru-RU" smtClean="0"/>
-              <a:t>21.11.2013</a:t>
+              <a:t>22.11.2013</a:t>
             </a:fld>
             <a:endParaRPr lang="ru-RU"/>
           </a:p>
@@ -2997,7 +2997,7 @@
           <a:p>
             <a:fld id="{8097313E-B044-4ACF-96A1-82807229EA96}" type="datetimeFigureOut">
               <a:rPr lang="ru-RU" smtClean="0"/>
-              <a:t>21.11.2013</a:t>
+              <a:t>22.11.2013</a:t>
             </a:fld>
             <a:endParaRPr lang="ru-RU"/>
           </a:p>
@@ -3167,7 +3167,7 @@
           <a:p>
             <a:fld id="{8097313E-B044-4ACF-96A1-82807229EA96}" type="datetimeFigureOut">
               <a:rPr lang="ru-RU" smtClean="0"/>
-              <a:t>21.11.2013</a:t>
+              <a:t>22.11.2013</a:t>
             </a:fld>
             <a:endParaRPr lang="ru-RU"/>
           </a:p>
@@ -3347,7 +3347,7 @@
           <a:p>
             <a:fld id="{8097313E-B044-4ACF-96A1-82807229EA96}" type="datetimeFigureOut">
               <a:rPr lang="ru-RU" smtClean="0"/>
-              <a:t>21.11.2013</a:t>
+              <a:t>22.11.2013</a:t>
             </a:fld>
             <a:endParaRPr lang="ru-RU"/>
           </a:p>
@@ -3524,7 +3524,7 @@
           <a:p>
             <a:fld id="{8097313E-B044-4ACF-96A1-82807229EA96}" type="datetimeFigureOut">
               <a:rPr lang="ru-RU" smtClean="0"/>
-              <a:t>21.11.2013</a:t>
+              <a:t>22.11.2013</a:t>
             </a:fld>
             <a:endParaRPr lang="ru-RU"/>
           </a:p>
@@ -3777,7 +3777,7 @@
           <a:p>
             <a:fld id="{8097313E-B044-4ACF-96A1-82807229EA96}" type="datetimeFigureOut">
               <a:rPr lang="ru-RU" smtClean="0"/>
-              <a:t>21.11.2013</a:t>
+              <a:t>22.11.2013</a:t>
             </a:fld>
             <a:endParaRPr lang="ru-RU"/>
           </a:p>
@@ -4065,7 +4065,7 @@
           <a:p>
             <a:fld id="{8097313E-B044-4ACF-96A1-82807229EA96}" type="datetimeFigureOut">
               <a:rPr lang="ru-RU" smtClean="0"/>
-              <a:t>21.11.2013</a:t>
+              <a:t>22.11.2013</a:t>
             </a:fld>
             <a:endParaRPr lang="ru-RU"/>
           </a:p>
@@ -4487,7 +4487,7 @@
           <a:p>
             <a:fld id="{8097313E-B044-4ACF-96A1-82807229EA96}" type="datetimeFigureOut">
               <a:rPr lang="ru-RU" smtClean="0"/>
-              <a:t>21.11.2013</a:t>
+              <a:t>22.11.2013</a:t>
             </a:fld>
             <a:endParaRPr lang="ru-RU"/>
           </a:p>
@@ -4620,7 +4620,7 @@
           <a:p>
             <a:fld id="{8097313E-B044-4ACF-96A1-82807229EA96}" type="datetimeFigureOut">
               <a:rPr lang="ru-RU" smtClean="0"/>
-              <a:t>21.11.2013</a:t>
+              <a:t>22.11.2013</a:t>
             </a:fld>
             <a:endParaRPr lang="ru-RU"/>
           </a:p>
@@ -4722,7 +4722,7 @@
           <a:p>
             <a:fld id="{8097313E-B044-4ACF-96A1-82807229EA96}" type="datetimeFigureOut">
               <a:rPr lang="ru-RU" smtClean="0"/>
-              <a:t>21.11.2013</a:t>
+              <a:t>22.11.2013</a:t>
             </a:fld>
             <a:endParaRPr lang="ru-RU"/>
           </a:p>
@@ -4999,7 +4999,7 @@
           <a:p>
             <a:fld id="{8097313E-B044-4ACF-96A1-82807229EA96}" type="datetimeFigureOut">
               <a:rPr lang="ru-RU" smtClean="0"/>
-              <a:t>21.11.2013</a:t>
+              <a:t>22.11.2013</a:t>
             </a:fld>
             <a:endParaRPr lang="ru-RU"/>
           </a:p>
@@ -5252,7 +5252,7 @@
           <a:p>
             <a:fld id="{8097313E-B044-4ACF-96A1-82807229EA96}" type="datetimeFigureOut">
               <a:rPr lang="ru-RU" smtClean="0"/>
-              <a:t>21.11.2013</a:t>
+              <a:t>22.11.2013</a:t>
             </a:fld>
             <a:endParaRPr lang="ru-RU"/>
           </a:p>
@@ -5465,7 +5465,7 @@
           <a:p>
             <a:fld id="{8097313E-B044-4ACF-96A1-82807229EA96}" type="datetimeFigureOut">
               <a:rPr lang="ru-RU" smtClean="0"/>
-              <a:t>21.11.2013</a:t>
+              <a:t>22.11.2013</a:t>
             </a:fld>
             <a:endParaRPr lang="ru-RU"/>
           </a:p>
@@ -8904,11 +8904,7 @@
             </a:r>
             <a:r>
               <a:rPr lang="ru-RU" sz="2400" dirty="0" smtClean="0"/>
-              <a:t>, ноябрь </a:t>
-            </a:r>
-            <a:r>
-              <a:rPr lang="ru-RU" sz="2400" dirty="0" smtClean="0"/>
-              <a:t>2013</a:t>
+              <a:t>, ноябрь 2013</a:t>
             </a:r>
             <a:endParaRPr lang="en-US" sz="2400" dirty="0" smtClean="0"/>
           </a:p>
@@ -20418,11 +20414,7 @@
           <a:p>
             <a:r>
               <a:rPr lang="ru-RU" sz="3200" dirty="0" smtClean="0"/>
-              <a:t>Неявные </a:t>
-            </a:r>
-            <a:r>
-              <a:rPr lang="ru-RU" sz="3200" dirty="0" smtClean="0"/>
-              <a:t>связи</a:t>
+              <a:t>Неявные связи</a:t>
             </a:r>
             <a:r>
               <a:rPr lang="en-US" sz="3200" dirty="0" smtClean="0"/>
@@ -30468,11 +30460,11 @@
   <p:clrMapOvr>
     <a:masterClrMapping/>
   </p:clrMapOvr>
-  <mc:AlternateContent xmlns:mc="http://schemas.openxmlformats.org/markup-compatibility/2006">
-    <mc:Choice xmlns:p14="http://schemas.microsoft.com/office/powerpoint/2010/main" Requires="p14">
+  <mc:AlternateContent xmlns:mc="http://schemas.openxmlformats.org/markup-compatibility/2006" xmlns:p14="http://schemas.microsoft.com/office/powerpoint/2010/main">
+    <mc:Choice Requires="p14">
       <p:transition spd="slow" p14:dur="2000"/>
     </mc:Choice>
-    <mc:Fallback>
+    <mc:Fallback xmlns="">
       <p:transition spd="slow"/>
     </mc:Fallback>
   </mc:AlternateContent>
@@ -31053,14 +31045,7 @@
                 <a:latin typeface="Consolas" panose="020B0609020204030204" pitchFamily="49" charset="0"/>
                 <a:cs typeface="Consolas" panose="020B0609020204030204" pitchFamily="49" charset="0"/>
               </a:rPr>
-              <a:t> </a:t>
-            </a:r>
-            <a:r>
-              <a:rPr lang="en-US" sz="2400" dirty="0" smtClean="0">
-                <a:latin typeface="Consolas" panose="020B0609020204030204" pitchFamily="49" charset="0"/>
-                <a:cs typeface="Consolas" panose="020B0609020204030204" pitchFamily="49" charset="0"/>
-              </a:rPr>
-              <a:t>flag</a:t>
+              <a:t> flag</a:t>
             </a:r>
           </a:p>
           <a:p>
